--- a/git教学/git_ajb.pptx
+++ b/git教学/git_ajb.pptx
@@ -1,40 +1,41 @@
 
 <file path=ppt/presentation.xml><?xml version="1.0" encoding="utf-8"?>
-<p:presentation xmlns:a="http://schemas.openxmlformats.org/drawingml/2006/main" xmlns:r="http://schemas.openxmlformats.org/officeDocument/2006/relationships" xmlns:p="http://schemas.openxmlformats.org/presentationml/2006/main" saveSubsetFonts="1" autoCompressPictures="0">
+<p:presentation xmlns:a="http://schemas.openxmlformats.org/drawingml/2006/main" xmlns:r="http://schemas.openxmlformats.org/officeDocument/2006/relationships" xmlns:p="http://schemas.openxmlformats.org/presentationml/2006/main" autoCompressPictures="0">
   <p:sldMasterIdLst>
     <p:sldMasterId id="2147483648" r:id="rId1"/>
   </p:sldMasterIdLst>
   <p:sldIdLst>
-    <p:sldId id="256" r:id="rId2"/>
-    <p:sldId id="257" r:id="rId3"/>
-    <p:sldId id="258" r:id="rId4"/>
-    <p:sldId id="259" r:id="rId5"/>
-    <p:sldId id="260" r:id="rId6"/>
-    <p:sldId id="261" r:id="rId7"/>
-    <p:sldId id="262" r:id="rId8"/>
-    <p:sldId id="264" r:id="rId9"/>
-    <p:sldId id="265" r:id="rId10"/>
-    <p:sldId id="266" r:id="rId11"/>
-    <p:sldId id="267" r:id="rId12"/>
-    <p:sldId id="269" r:id="rId13"/>
-    <p:sldId id="268" r:id="rId14"/>
-    <p:sldId id="270" r:id="rId15"/>
-    <p:sldId id="271" r:id="rId16"/>
-    <p:sldId id="272" r:id="rId17"/>
-    <p:sldId id="273" r:id="rId18"/>
-    <p:sldId id="274" r:id="rId19"/>
-    <p:sldId id="275" r:id="rId20"/>
-    <p:sldId id="276" r:id="rId21"/>
-    <p:sldId id="277" r:id="rId22"/>
-    <p:sldId id="278" r:id="rId23"/>
-    <p:sldId id="279" r:id="rId24"/>
-    <p:sldId id="280" r:id="rId25"/>
-    <p:sldId id="281" r:id="rId26"/>
-    <p:sldId id="282" r:id="rId27"/>
-    <p:sldId id="283" r:id="rId28"/>
-    <p:sldId id="284" r:id="rId29"/>
-    <p:sldId id="285" r:id="rId30"/>
-    <p:sldId id="286" r:id="rId31"/>
+    <p:sldId id="256" r:id="rId3"/>
+    <p:sldId id="257" r:id="rId4"/>
+    <p:sldId id="258" r:id="rId5"/>
+    <p:sldId id="259" r:id="rId6"/>
+    <p:sldId id="260" r:id="rId7"/>
+    <p:sldId id="261" r:id="rId8"/>
+    <p:sldId id="262" r:id="rId9"/>
+    <p:sldId id="264" r:id="rId10"/>
+    <p:sldId id="288" r:id="rId11"/>
+    <p:sldId id="265" r:id="rId12"/>
+    <p:sldId id="266" r:id="rId13"/>
+    <p:sldId id="267" r:id="rId14"/>
+    <p:sldId id="269" r:id="rId15"/>
+    <p:sldId id="268" r:id="rId16"/>
+    <p:sldId id="270" r:id="rId17"/>
+    <p:sldId id="271" r:id="rId18"/>
+    <p:sldId id="272" r:id="rId19"/>
+    <p:sldId id="273" r:id="rId20"/>
+    <p:sldId id="274" r:id="rId21"/>
+    <p:sldId id="275" r:id="rId22"/>
+    <p:sldId id="276" r:id="rId23"/>
+    <p:sldId id="277" r:id="rId24"/>
+    <p:sldId id="278" r:id="rId25"/>
+    <p:sldId id="279" r:id="rId26"/>
+    <p:sldId id="280" r:id="rId27"/>
+    <p:sldId id="281" r:id="rId28"/>
+    <p:sldId id="282" r:id="rId29"/>
+    <p:sldId id="283" r:id="rId30"/>
+    <p:sldId id="284" r:id="rId31"/>
+    <p:sldId id="285" r:id="rId32"/>
+    <p:sldId id="286" r:id="rId33"/>
   </p:sldIdLst>
   <p:sldSz cx="12192000" cy="6858000"/>
   <p:notesSz cx="6858000" cy="9144000"/>
@@ -324,8 +325,6 @@
           <a:p>
             <a:fld id="{B61BEF0D-F0BB-DE4B-95CE-6DB70DBA9567}" type="datetimeFigureOut">
               <a:rPr lang="en-US" dirty="0"/>
-              <a:pPr/>
-              <a:t>6/10/2018</a:t>
             </a:fld>
             <a:endParaRPr lang="en-US" dirty="0"/>
           </a:p>
@@ -454,8 +453,6 @@
           <a:p>
             <a:fld id="{D57F1E4F-1CFF-5643-939E-217C01CDF565}" type="slidenum">
               <a:rPr lang="en-US" dirty="0"/>
-              <a:pPr/>
-              <a:t>‹#›</a:t>
             </a:fld>
             <a:endParaRPr lang="en-US" dirty="0"/>
           </a:p>
@@ -639,6 +636,7 @@
               <a:rPr lang="zh-CN" altLang="en-US" smtClean="0"/>
               <a:t>单击此处编辑母版文本样式</a:t>
             </a:r>
+            <a:endParaRPr lang="zh-CN" altLang="en-US" smtClean="0"/>
           </a:p>
         </p:txBody>
       </p:sp>
@@ -659,8 +657,6 @@
           <a:p>
             <a:fld id="{B61BEF0D-F0BB-DE4B-95CE-6DB70DBA9567}" type="datetimeFigureOut">
               <a:rPr lang="en-US" dirty="0"/>
-              <a:pPr/>
-              <a:t>6/10/2018</a:t>
             </a:fld>
             <a:endParaRPr lang="en-US" dirty="0"/>
           </a:p>
@@ -789,8 +785,6 @@
           <a:p>
             <a:fld id="{D57F1E4F-1CFF-5643-939E-217C01CDF565}" type="slidenum">
               <a:rPr lang="en-US" dirty="0"/>
-              <a:pPr/>
-              <a:t>‹#›</a:t>
             </a:fld>
             <a:endParaRPr lang="en-US" dirty="0"/>
           </a:p>
@@ -915,6 +909,7 @@
               <a:rPr lang="zh-CN" altLang="en-US" smtClean="0"/>
               <a:t>单击此处编辑母版文本样式</a:t>
             </a:r>
+            <a:endParaRPr lang="zh-CN" altLang="en-US" smtClean="0"/>
           </a:p>
         </p:txBody>
       </p:sp>
@@ -1037,6 +1032,7 @@
               <a:rPr lang="zh-CN" altLang="en-US" smtClean="0"/>
               <a:t>单击此处编辑母版文本样式</a:t>
             </a:r>
+            <a:endParaRPr lang="zh-CN" altLang="en-US" smtClean="0"/>
           </a:p>
         </p:txBody>
       </p:sp>
@@ -1057,8 +1053,6 @@
           <a:p>
             <a:fld id="{B61BEF0D-F0BB-DE4B-95CE-6DB70DBA9567}" type="datetimeFigureOut">
               <a:rPr lang="en-US" dirty="0"/>
-              <a:pPr/>
-              <a:t>6/10/2018</a:t>
             </a:fld>
             <a:endParaRPr lang="en-US" dirty="0"/>
           </a:p>
@@ -1187,8 +1181,6 @@
           <a:p>
             <a:fld id="{D57F1E4F-1CFF-5643-939E-217C01CDF565}" type="slidenum">
               <a:rPr lang="en-US" dirty="0"/>
-              <a:pPr/>
-              <a:t>‹#›</a:t>
             </a:fld>
             <a:endParaRPr lang="en-US" dirty="0"/>
           </a:p>
@@ -1225,10 +1217,20 @@
                   <a:schemeClr val="accent1"/>
                 </a:solidFill>
                 <a:effectLst/>
-                <a:latin typeface="Arial"/>
+                <a:latin typeface="Arial" panose="020B0604020202020204"/>
               </a:rPr>
               <a:t>“</a:t>
             </a:r>
+            <a:endParaRPr lang="en-US" sz="8000" baseline="0" dirty="0">
+              <a:ln w="3175" cmpd="sng">
+                <a:noFill/>
+              </a:ln>
+              <a:solidFill>
+                <a:schemeClr val="accent1"/>
+              </a:solidFill>
+              <a:effectLst/>
+              <a:latin typeface="Arial" panose="020B0604020202020204"/>
+            </a:endParaRPr>
           </a:p>
         </p:txBody>
       </p:sp>
@@ -1263,10 +1265,20 @@
                   <a:schemeClr val="accent1"/>
                 </a:solidFill>
                 <a:effectLst/>
-                <a:latin typeface="Arial"/>
+                <a:latin typeface="Arial" panose="020B0604020202020204"/>
               </a:rPr>
               <a:t>”</a:t>
             </a:r>
+            <a:endParaRPr lang="en-US" sz="8000" baseline="0" dirty="0">
+              <a:ln w="3175" cmpd="sng">
+                <a:noFill/>
+              </a:ln>
+              <a:solidFill>
+                <a:schemeClr val="accent1"/>
+              </a:solidFill>
+              <a:effectLst/>
+              <a:latin typeface="Arial" panose="020B0604020202020204"/>
+            </a:endParaRPr>
           </a:p>
         </p:txBody>
       </p:sp>
@@ -1370,6 +1382,7 @@
               <a:rPr lang="zh-CN" altLang="en-US" smtClean="0"/>
               <a:t>单击此处编辑母版文本样式</a:t>
             </a:r>
+            <a:endParaRPr lang="zh-CN" altLang="en-US" smtClean="0"/>
           </a:p>
         </p:txBody>
       </p:sp>
@@ -1390,8 +1403,6 @@
           <a:p>
             <a:fld id="{B61BEF0D-F0BB-DE4B-95CE-6DB70DBA9567}" type="datetimeFigureOut">
               <a:rPr lang="en-US" dirty="0"/>
-              <a:pPr/>
-              <a:t>6/10/2018</a:t>
             </a:fld>
             <a:endParaRPr lang="en-US" dirty="0"/>
           </a:p>
@@ -1520,8 +1531,6 @@
           <a:p>
             <a:fld id="{D57F1E4F-1CFF-5643-939E-217C01CDF565}" type="slidenum">
               <a:rPr lang="en-US" dirty="0"/>
-              <a:pPr/>
-              <a:t>‹#›</a:t>
             </a:fld>
             <a:endParaRPr lang="en-US" dirty="0"/>
           </a:p>
@@ -1643,6 +1652,7 @@
               <a:rPr lang="zh-CN" altLang="en-US" smtClean="0"/>
               <a:t>单击此处编辑母版文本样式</a:t>
             </a:r>
+            <a:endParaRPr lang="zh-CN" altLang="en-US" smtClean="0"/>
           </a:p>
         </p:txBody>
       </p:sp>
@@ -1687,6 +1697,7 @@
               <a:rPr lang="zh-CN" altLang="en-US" smtClean="0"/>
               <a:t>单击此处编辑母版文本样式</a:t>
             </a:r>
+            <a:endParaRPr lang="zh-CN" altLang="en-US" smtClean="0"/>
           </a:p>
         </p:txBody>
       </p:sp>
@@ -1707,8 +1718,6 @@
           <a:p>
             <a:fld id="{B61BEF0D-F0BB-DE4B-95CE-6DB70DBA9567}" type="datetimeFigureOut">
               <a:rPr lang="en-US" dirty="0"/>
-              <a:pPr/>
-              <a:t>6/10/2018</a:t>
             </a:fld>
             <a:endParaRPr lang="en-US" dirty="0"/>
           </a:p>
@@ -1837,8 +1846,6 @@
           <a:p>
             <a:fld id="{D57F1E4F-1CFF-5643-939E-217C01CDF565}" type="slidenum">
               <a:rPr lang="en-US" dirty="0"/>
-              <a:pPr/>
-              <a:t>‹#›</a:t>
             </a:fld>
             <a:endParaRPr lang="en-US" dirty="0"/>
           </a:p>
@@ -1875,10 +1882,20 @@
                   <a:schemeClr val="accent1"/>
                 </a:solidFill>
                 <a:effectLst/>
-                <a:latin typeface="Arial"/>
+                <a:latin typeface="Arial" panose="020B0604020202020204"/>
               </a:rPr>
               <a:t>“</a:t>
             </a:r>
+            <a:endParaRPr lang="en-US" sz="8000" baseline="0" dirty="0">
+              <a:ln w="3175" cmpd="sng">
+                <a:noFill/>
+              </a:ln>
+              <a:solidFill>
+                <a:schemeClr val="accent1"/>
+              </a:solidFill>
+              <a:effectLst/>
+              <a:latin typeface="Arial" panose="020B0604020202020204"/>
+            </a:endParaRPr>
           </a:p>
         </p:txBody>
       </p:sp>
@@ -1913,10 +1930,20 @@
                   <a:schemeClr val="accent1"/>
                 </a:solidFill>
                 <a:effectLst/>
-                <a:latin typeface="Arial"/>
+                <a:latin typeface="Arial" panose="020B0604020202020204"/>
               </a:rPr>
               <a:t>”</a:t>
             </a:r>
+            <a:endParaRPr lang="en-US" sz="8000" baseline="0" dirty="0">
+              <a:ln w="3175" cmpd="sng">
+                <a:noFill/>
+              </a:ln>
+              <a:solidFill>
+                <a:schemeClr val="accent1"/>
+              </a:solidFill>
+              <a:effectLst/>
+              <a:latin typeface="Arial" panose="020B0604020202020204"/>
+            </a:endParaRPr>
           </a:p>
         </p:txBody>
       </p:sp>
@@ -2036,6 +2063,7 @@
               <a:rPr lang="zh-CN" altLang="en-US" smtClean="0"/>
               <a:t>单击此处编辑母版文本样式</a:t>
             </a:r>
+            <a:endParaRPr lang="zh-CN" altLang="en-US" smtClean="0"/>
           </a:p>
         </p:txBody>
       </p:sp>
@@ -2080,6 +2108,7 @@
               <a:rPr lang="zh-CN" altLang="en-US" smtClean="0"/>
               <a:t>单击此处编辑母版文本样式</a:t>
             </a:r>
+            <a:endParaRPr lang="zh-CN" altLang="en-US" smtClean="0"/>
           </a:p>
         </p:txBody>
       </p:sp>
@@ -2100,8 +2129,6 @@
           <a:p>
             <a:fld id="{B61BEF0D-F0BB-DE4B-95CE-6DB70DBA9567}" type="datetimeFigureOut">
               <a:rPr lang="en-US" dirty="0"/>
-              <a:pPr/>
-              <a:t>6/10/2018</a:t>
             </a:fld>
             <a:endParaRPr lang="en-US" dirty="0"/>
           </a:p>
@@ -2230,8 +2257,6 @@
           <a:p>
             <a:fld id="{D57F1E4F-1CFF-5643-939E-217C01CDF565}" type="slidenum">
               <a:rPr lang="en-US" dirty="0"/>
-              <a:pPr/>
-              <a:t>‹#›</a:t>
             </a:fld>
             <a:endParaRPr lang="en-US" dirty="0"/>
           </a:p>
@@ -2305,6 +2330,7 @@
               <a:rPr lang="zh-CN" altLang="en-US" smtClean="0"/>
               <a:t>单击此处编辑母版文本样式</a:t>
             </a:r>
+            <a:endParaRPr lang="zh-CN" altLang="en-US" smtClean="0"/>
           </a:p>
           <a:p>
             <a:pPr lvl="1"/>
@@ -2312,6 +2338,7 @@
               <a:rPr lang="zh-CN" altLang="en-US" smtClean="0"/>
               <a:t>二级</a:t>
             </a:r>
+            <a:endParaRPr lang="zh-CN" altLang="en-US" smtClean="0"/>
           </a:p>
           <a:p>
             <a:pPr lvl="2"/>
@@ -2319,6 +2346,7 @@
               <a:rPr lang="zh-CN" altLang="en-US" smtClean="0"/>
               <a:t>三级</a:t>
             </a:r>
+            <a:endParaRPr lang="zh-CN" altLang="en-US" smtClean="0"/>
           </a:p>
           <a:p>
             <a:pPr lvl="3"/>
@@ -2326,6 +2354,7 @@
               <a:rPr lang="zh-CN" altLang="en-US" smtClean="0"/>
               <a:t>四级</a:t>
             </a:r>
+            <a:endParaRPr lang="zh-CN" altLang="en-US" smtClean="0"/>
           </a:p>
           <a:p>
             <a:pPr lvl="4"/>
@@ -2354,8 +2383,6 @@
           <a:p>
             <a:fld id="{B61BEF0D-F0BB-DE4B-95CE-6DB70DBA9567}" type="datetimeFigureOut">
               <a:rPr lang="en-US" dirty="0"/>
-              <a:pPr/>
-              <a:t>6/10/2018</a:t>
             </a:fld>
             <a:endParaRPr lang="en-US" dirty="0"/>
           </a:p>
@@ -2479,8 +2506,6 @@
           <a:p>
             <a:fld id="{D57F1E4F-1CFF-5643-939E-217C01CDF565}" type="slidenum">
               <a:rPr lang="en-US" dirty="0"/>
-              <a:pPr/>
-              <a:t>‹#›</a:t>
             </a:fld>
             <a:endParaRPr lang="en-US" dirty="0"/>
           </a:p>
@@ -2564,6 +2589,7 @@
               <a:rPr lang="zh-CN" altLang="en-US" smtClean="0"/>
               <a:t>单击此处编辑母版文本样式</a:t>
             </a:r>
+            <a:endParaRPr lang="zh-CN" altLang="en-US" smtClean="0"/>
           </a:p>
           <a:p>
             <a:pPr lvl="1"/>
@@ -2571,6 +2597,7 @@
               <a:rPr lang="zh-CN" altLang="en-US" smtClean="0"/>
               <a:t>二级</a:t>
             </a:r>
+            <a:endParaRPr lang="zh-CN" altLang="en-US" smtClean="0"/>
           </a:p>
           <a:p>
             <a:pPr lvl="2"/>
@@ -2578,6 +2605,7 @@
               <a:rPr lang="zh-CN" altLang="en-US" smtClean="0"/>
               <a:t>三级</a:t>
             </a:r>
+            <a:endParaRPr lang="zh-CN" altLang="en-US" smtClean="0"/>
           </a:p>
           <a:p>
             <a:pPr lvl="3"/>
@@ -2585,6 +2613,7 @@
               <a:rPr lang="zh-CN" altLang="en-US" smtClean="0"/>
               <a:t>四级</a:t>
             </a:r>
+            <a:endParaRPr lang="zh-CN" altLang="en-US" smtClean="0"/>
           </a:p>
           <a:p>
             <a:pPr lvl="4"/>
@@ -2613,8 +2642,6 @@
           <a:p>
             <a:fld id="{B61BEF0D-F0BB-DE4B-95CE-6DB70DBA9567}" type="datetimeFigureOut">
               <a:rPr lang="en-US" dirty="0"/>
-              <a:pPr/>
-              <a:t>6/10/2018</a:t>
             </a:fld>
             <a:endParaRPr lang="en-US" dirty="0"/>
           </a:p>
@@ -2738,8 +2765,6 @@
           <a:p>
             <a:fld id="{D57F1E4F-1CFF-5643-939E-217C01CDF565}" type="slidenum">
               <a:rPr lang="en-US" dirty="0"/>
-              <a:pPr/>
-              <a:t>‹#›</a:t>
             </a:fld>
             <a:endParaRPr lang="en-US" dirty="0"/>
           </a:p>
@@ -2823,6 +2848,7 @@
               <a:rPr lang="zh-CN" altLang="en-US" smtClean="0"/>
               <a:t>单击此处编辑母版文本样式</a:t>
             </a:r>
+            <a:endParaRPr lang="zh-CN" altLang="en-US" smtClean="0"/>
           </a:p>
           <a:p>
             <a:pPr lvl="1"/>
@@ -2830,6 +2856,7 @@
               <a:rPr lang="zh-CN" altLang="en-US" smtClean="0"/>
               <a:t>二级</a:t>
             </a:r>
+            <a:endParaRPr lang="zh-CN" altLang="en-US" smtClean="0"/>
           </a:p>
           <a:p>
             <a:pPr lvl="2"/>
@@ -2837,6 +2864,7 @@
               <a:rPr lang="zh-CN" altLang="en-US" smtClean="0"/>
               <a:t>三级</a:t>
             </a:r>
+            <a:endParaRPr lang="zh-CN" altLang="en-US" smtClean="0"/>
           </a:p>
           <a:p>
             <a:pPr lvl="3"/>
@@ -2844,6 +2872,7 @@
               <a:rPr lang="zh-CN" altLang="en-US" smtClean="0"/>
               <a:t>四级</a:t>
             </a:r>
+            <a:endParaRPr lang="zh-CN" altLang="en-US" smtClean="0"/>
           </a:p>
           <a:p>
             <a:pPr lvl="4"/>
@@ -2872,8 +2901,6 @@
           <a:p>
             <a:fld id="{B61BEF0D-F0BB-DE4B-95CE-6DB70DBA9567}" type="datetimeFigureOut">
               <a:rPr lang="en-US" dirty="0"/>
-              <a:pPr/>
-              <a:t>6/10/2018</a:t>
             </a:fld>
             <a:endParaRPr lang="en-US" dirty="0"/>
           </a:p>
@@ -2997,8 +3024,6 @@
           <a:p>
             <a:fld id="{D57F1E4F-1CFF-5643-939E-217C01CDF565}" type="slidenum">
               <a:rPr lang="en-US" dirty="0"/>
-              <a:pPr/>
-              <a:t>‹#›</a:t>
             </a:fld>
             <a:endParaRPr lang="en-US" dirty="0"/>
           </a:p>
@@ -3178,6 +3203,7 @@
               <a:rPr lang="zh-CN" altLang="en-US" smtClean="0"/>
               <a:t>单击此处编辑母版文本样式</a:t>
             </a:r>
+            <a:endParaRPr lang="zh-CN" altLang="en-US" smtClean="0"/>
           </a:p>
         </p:txBody>
       </p:sp>
@@ -3198,8 +3224,6 @@
           <a:p>
             <a:fld id="{B61BEF0D-F0BB-DE4B-95CE-6DB70DBA9567}" type="datetimeFigureOut">
               <a:rPr lang="en-US" dirty="0"/>
-              <a:pPr/>
-              <a:t>6/10/2018</a:t>
             </a:fld>
             <a:endParaRPr lang="en-US" dirty="0"/>
           </a:p>
@@ -3328,8 +3352,6 @@
           <a:p>
             <a:fld id="{D57F1E4F-1CFF-5643-939E-217C01CDF565}" type="slidenum">
               <a:rPr lang="en-US" dirty="0"/>
-              <a:pPr/>
-              <a:t>‹#›</a:t>
             </a:fld>
             <a:endParaRPr lang="en-US" dirty="0"/>
           </a:p>
@@ -3410,6 +3432,7 @@
               <a:rPr lang="zh-CN" altLang="en-US" smtClean="0"/>
               <a:t>单击此处编辑母版文本样式</a:t>
             </a:r>
+            <a:endParaRPr lang="zh-CN" altLang="en-US" smtClean="0"/>
           </a:p>
           <a:p>
             <a:pPr lvl="1"/>
@@ -3417,6 +3440,7 @@
               <a:rPr lang="zh-CN" altLang="en-US" smtClean="0"/>
               <a:t>二级</a:t>
             </a:r>
+            <a:endParaRPr lang="zh-CN" altLang="en-US" smtClean="0"/>
           </a:p>
           <a:p>
             <a:pPr lvl="2"/>
@@ -3424,6 +3448,7 @@
               <a:rPr lang="zh-CN" altLang="en-US" smtClean="0"/>
               <a:t>三级</a:t>
             </a:r>
+            <a:endParaRPr lang="zh-CN" altLang="en-US" smtClean="0"/>
           </a:p>
           <a:p>
             <a:pPr lvl="3"/>
@@ -3431,6 +3456,7 @@
               <a:rPr lang="zh-CN" altLang="en-US" smtClean="0"/>
               <a:t>四级</a:t>
             </a:r>
+            <a:endParaRPr lang="zh-CN" altLang="en-US" smtClean="0"/>
           </a:p>
           <a:p>
             <a:pPr lvl="4"/>
@@ -3469,6 +3495,7 @@
               <a:rPr lang="zh-CN" altLang="en-US" smtClean="0"/>
               <a:t>单击此处编辑母版文本样式</a:t>
             </a:r>
+            <a:endParaRPr lang="zh-CN" altLang="en-US" smtClean="0"/>
           </a:p>
           <a:p>
             <a:pPr lvl="1"/>
@@ -3476,6 +3503,7 @@
               <a:rPr lang="zh-CN" altLang="en-US" smtClean="0"/>
               <a:t>二级</a:t>
             </a:r>
+            <a:endParaRPr lang="zh-CN" altLang="en-US" smtClean="0"/>
           </a:p>
           <a:p>
             <a:pPr lvl="2"/>
@@ -3483,6 +3511,7 @@
               <a:rPr lang="zh-CN" altLang="en-US" smtClean="0"/>
               <a:t>三级</a:t>
             </a:r>
+            <a:endParaRPr lang="zh-CN" altLang="en-US" smtClean="0"/>
           </a:p>
           <a:p>
             <a:pPr lvl="3"/>
@@ -3490,6 +3519,7 @@
               <a:rPr lang="zh-CN" altLang="en-US" smtClean="0"/>
               <a:t>四级</a:t>
             </a:r>
+            <a:endParaRPr lang="zh-CN" altLang="en-US" smtClean="0"/>
           </a:p>
           <a:p>
             <a:pPr lvl="4"/>
@@ -3518,8 +3548,6 @@
           <a:p>
             <a:fld id="{B61BEF0D-F0BB-DE4B-95CE-6DB70DBA9567}" type="datetimeFigureOut">
               <a:rPr lang="en-US" dirty="0"/>
-              <a:pPr/>
-              <a:t>6/10/2018</a:t>
             </a:fld>
             <a:endParaRPr lang="en-US" dirty="0"/>
           </a:p>
@@ -3648,8 +3676,6 @@
           <a:p>
             <a:fld id="{D57F1E4F-1CFF-5643-939E-217C01CDF565}" type="slidenum">
               <a:rPr lang="en-US" dirty="0"/>
-              <a:pPr/>
-              <a:t>‹#›</a:t>
             </a:fld>
             <a:endParaRPr lang="en-US" dirty="0"/>
           </a:p>
@@ -3767,6 +3793,7 @@
               <a:rPr lang="zh-CN" altLang="en-US" smtClean="0"/>
               <a:t>单击此处编辑母版文本样式</a:t>
             </a:r>
+            <a:endParaRPr lang="zh-CN" altLang="en-US" smtClean="0"/>
           </a:p>
         </p:txBody>
       </p:sp>
@@ -3797,6 +3824,7 @@
               <a:rPr lang="zh-CN" altLang="en-US" smtClean="0"/>
               <a:t>单击此处编辑母版文本样式</a:t>
             </a:r>
+            <a:endParaRPr lang="zh-CN" altLang="en-US" smtClean="0"/>
           </a:p>
           <a:p>
             <a:pPr lvl="1"/>
@@ -3804,6 +3832,7 @@
               <a:rPr lang="zh-CN" altLang="en-US" smtClean="0"/>
               <a:t>二级</a:t>
             </a:r>
+            <a:endParaRPr lang="zh-CN" altLang="en-US" smtClean="0"/>
           </a:p>
           <a:p>
             <a:pPr lvl="2"/>
@@ -3811,6 +3840,7 @@
               <a:rPr lang="zh-CN" altLang="en-US" smtClean="0"/>
               <a:t>三级</a:t>
             </a:r>
+            <a:endParaRPr lang="zh-CN" altLang="en-US" smtClean="0"/>
           </a:p>
           <a:p>
             <a:pPr lvl="3"/>
@@ -3818,6 +3848,7 @@
               <a:rPr lang="zh-CN" altLang="en-US" smtClean="0"/>
               <a:t>四级</a:t>
             </a:r>
+            <a:endParaRPr lang="zh-CN" altLang="en-US" smtClean="0"/>
           </a:p>
           <a:p>
             <a:pPr lvl="4"/>
@@ -3893,6 +3924,7 @@
               <a:rPr lang="zh-CN" altLang="en-US" smtClean="0"/>
               <a:t>单击此处编辑母版文本样式</a:t>
             </a:r>
+            <a:endParaRPr lang="zh-CN" altLang="en-US" smtClean="0"/>
           </a:p>
         </p:txBody>
       </p:sp>
@@ -3923,6 +3955,7 @@
               <a:rPr lang="zh-CN" altLang="en-US" smtClean="0"/>
               <a:t>单击此处编辑母版文本样式</a:t>
             </a:r>
+            <a:endParaRPr lang="zh-CN" altLang="en-US" smtClean="0"/>
           </a:p>
           <a:p>
             <a:pPr lvl="1"/>
@@ -3930,6 +3963,7 @@
               <a:rPr lang="zh-CN" altLang="en-US" smtClean="0"/>
               <a:t>二级</a:t>
             </a:r>
+            <a:endParaRPr lang="zh-CN" altLang="en-US" smtClean="0"/>
           </a:p>
           <a:p>
             <a:pPr lvl="2"/>
@@ -3937,6 +3971,7 @@
               <a:rPr lang="zh-CN" altLang="en-US" smtClean="0"/>
               <a:t>三级</a:t>
             </a:r>
+            <a:endParaRPr lang="zh-CN" altLang="en-US" smtClean="0"/>
           </a:p>
           <a:p>
             <a:pPr lvl="3"/>
@@ -3944,6 +3979,7 @@
               <a:rPr lang="zh-CN" altLang="en-US" smtClean="0"/>
               <a:t>四级</a:t>
             </a:r>
+            <a:endParaRPr lang="zh-CN" altLang="en-US" smtClean="0"/>
           </a:p>
           <a:p>
             <a:pPr lvl="4"/>
@@ -3972,8 +4008,6 @@
           <a:p>
             <a:fld id="{B61BEF0D-F0BB-DE4B-95CE-6DB70DBA9567}" type="datetimeFigureOut">
               <a:rPr lang="en-US" dirty="0"/>
-              <a:pPr/>
-              <a:t>6/10/2018</a:t>
             </a:fld>
             <a:endParaRPr lang="en-US" dirty="0"/>
           </a:p>
@@ -4102,8 +4136,6 @@
           <a:p>
             <a:fld id="{D57F1E4F-1CFF-5643-939E-217C01CDF565}" type="slidenum">
               <a:rPr lang="en-US" dirty="0"/>
-              <a:pPr/>
-              <a:t>‹#›</a:t>
             </a:fld>
             <a:endParaRPr lang="en-US" dirty="0"/>
           </a:p>
@@ -4174,8 +4206,6 @@
           <a:p>
             <a:fld id="{B61BEF0D-F0BB-DE4B-95CE-6DB70DBA9567}" type="datetimeFigureOut">
               <a:rPr lang="en-US" dirty="0"/>
-              <a:pPr/>
-              <a:t>6/10/2018</a:t>
             </a:fld>
             <a:endParaRPr lang="en-US" dirty="0"/>
           </a:p>
@@ -4299,8 +4329,6 @@
           <a:p>
             <a:fld id="{D57F1E4F-1CFF-5643-939E-217C01CDF565}" type="slidenum">
               <a:rPr lang="en-US" dirty="0"/>
-              <a:pPr/>
-              <a:t>‹#›</a:t>
             </a:fld>
             <a:endParaRPr lang="en-US" dirty="0"/>
           </a:p>
@@ -4348,8 +4376,6 @@
           <a:p>
             <a:fld id="{B61BEF0D-F0BB-DE4B-95CE-6DB70DBA9567}" type="datetimeFigureOut">
               <a:rPr lang="en-US" dirty="0"/>
-              <a:pPr/>
-              <a:t>6/10/2018</a:t>
             </a:fld>
             <a:endParaRPr lang="en-US" dirty="0"/>
           </a:p>
@@ -4473,8 +4499,6 @@
           <a:p>
             <a:fld id="{D57F1E4F-1CFF-5643-939E-217C01CDF565}" type="slidenum">
               <a:rPr lang="en-US" dirty="0"/>
-              <a:pPr/>
-              <a:t>‹#›</a:t>
             </a:fld>
             <a:endParaRPr lang="en-US" dirty="0"/>
           </a:p>
@@ -4564,6 +4588,7 @@
               <a:rPr lang="zh-CN" altLang="en-US" smtClean="0"/>
               <a:t>单击此处编辑母版文本样式</a:t>
             </a:r>
+            <a:endParaRPr lang="zh-CN" altLang="en-US" smtClean="0"/>
           </a:p>
           <a:p>
             <a:pPr lvl="1"/>
@@ -4571,6 +4596,7 @@
               <a:rPr lang="zh-CN" altLang="en-US" smtClean="0"/>
               <a:t>二级</a:t>
             </a:r>
+            <a:endParaRPr lang="zh-CN" altLang="en-US" smtClean="0"/>
           </a:p>
           <a:p>
             <a:pPr lvl="2"/>
@@ -4578,6 +4604,7 @@
               <a:rPr lang="zh-CN" altLang="en-US" smtClean="0"/>
               <a:t>三级</a:t>
             </a:r>
+            <a:endParaRPr lang="zh-CN" altLang="en-US" smtClean="0"/>
           </a:p>
           <a:p>
             <a:pPr lvl="3"/>
@@ -4585,6 +4612,7 @@
               <a:rPr lang="zh-CN" altLang="en-US" smtClean="0"/>
               <a:t>四级</a:t>
             </a:r>
+            <a:endParaRPr lang="zh-CN" altLang="en-US" smtClean="0"/>
           </a:p>
           <a:p>
             <a:pPr lvl="4"/>
@@ -4658,6 +4686,7 @@
               <a:rPr lang="zh-CN" altLang="en-US" smtClean="0"/>
               <a:t>单击此处编辑母版文本样式</a:t>
             </a:r>
+            <a:endParaRPr lang="zh-CN" altLang="en-US" smtClean="0"/>
           </a:p>
         </p:txBody>
       </p:sp>
@@ -4678,8 +4707,6 @@
           <a:p>
             <a:fld id="{B61BEF0D-F0BB-DE4B-95CE-6DB70DBA9567}" type="datetimeFigureOut">
               <a:rPr lang="en-US" dirty="0"/>
-              <a:pPr/>
-              <a:t>6/10/2018</a:t>
             </a:fld>
             <a:endParaRPr lang="en-US" dirty="0"/>
           </a:p>
@@ -4803,8 +4830,6 @@
           <a:p>
             <a:fld id="{D57F1E4F-1CFF-5643-939E-217C01CDF565}" type="slidenum">
               <a:rPr lang="en-US" dirty="0"/>
-              <a:pPr/>
-              <a:t>‹#›</a:t>
             </a:fld>
             <a:endParaRPr lang="en-US" dirty="0"/>
           </a:p>
@@ -4876,7 +4901,7 @@
             <a:spLocks noGrp="1" noChangeAspect="1"/>
           </p:cNvSpPr>
           <p:nvPr>
-            <p:ph type="pic" idx="1"/>
+            <p:ph type="pic" idx="1" hasCustomPrompt="1"/>
           </p:nvPr>
         </p:nvSpPr>
         <p:spPr>
@@ -5000,6 +5025,7 @@
               <a:rPr lang="zh-CN" altLang="en-US" smtClean="0"/>
               <a:t>单击此处编辑母版文本样式</a:t>
             </a:r>
+            <a:endParaRPr lang="zh-CN" altLang="en-US" smtClean="0"/>
           </a:p>
         </p:txBody>
       </p:sp>
@@ -5020,8 +5046,6 @@
           <a:p>
             <a:fld id="{B61BEF0D-F0BB-DE4B-95CE-6DB70DBA9567}" type="datetimeFigureOut">
               <a:rPr lang="en-US" dirty="0"/>
-              <a:pPr/>
-              <a:t>6/10/2018</a:t>
             </a:fld>
             <a:endParaRPr lang="en-US" dirty="0"/>
           </a:p>
@@ -5150,8 +5174,6 @@
           <a:p>
             <a:fld id="{D57F1E4F-1CFF-5643-939E-217C01CDF565}" type="slidenum">
               <a:rPr lang="en-US" dirty="0"/>
-              <a:pPr/>
-              <a:t>‹#›</a:t>
             </a:fld>
             <a:endParaRPr lang="en-US" dirty="0"/>
           </a:p>
@@ -7067,6 +7089,7 @@
               <a:rPr lang="zh-CN" altLang="en-US" smtClean="0"/>
               <a:t>单击此处编辑母版文本样式</a:t>
             </a:r>
+            <a:endParaRPr lang="zh-CN" altLang="en-US" smtClean="0"/>
           </a:p>
           <a:p>
             <a:pPr lvl="1"/>
@@ -7074,6 +7097,7 @@
               <a:rPr lang="zh-CN" altLang="en-US" smtClean="0"/>
               <a:t>二级</a:t>
             </a:r>
+            <a:endParaRPr lang="zh-CN" altLang="en-US" smtClean="0"/>
           </a:p>
           <a:p>
             <a:pPr lvl="2"/>
@@ -7081,6 +7105,7 @@
               <a:rPr lang="zh-CN" altLang="en-US" smtClean="0"/>
               <a:t>三级</a:t>
             </a:r>
+            <a:endParaRPr lang="zh-CN" altLang="en-US" smtClean="0"/>
           </a:p>
           <a:p>
             <a:pPr lvl="3"/>
@@ -7088,6 +7113,7 @@
               <a:rPr lang="zh-CN" altLang="en-US" smtClean="0"/>
               <a:t>四级</a:t>
             </a:r>
+            <a:endParaRPr lang="zh-CN" altLang="en-US" smtClean="0"/>
           </a:p>
           <a:p>
             <a:pPr lvl="4"/>
@@ -7134,8 +7160,6 @@
           <a:p>
             <a:fld id="{B61BEF0D-F0BB-DE4B-95CE-6DB70DBA9567}" type="datetimeFigureOut">
               <a:rPr lang="en-US" dirty="0"/>
-              <a:pPr/>
-              <a:t>6/10/2018</a:t>
             </a:fld>
             <a:endParaRPr lang="en-US" dirty="0"/>
           </a:p>
@@ -7211,8 +7235,6 @@
           <a:p>
             <a:fld id="{D57F1E4F-1CFF-5643-939E-217C01CDF565}" type="slidenum">
               <a:rPr lang="en-US" dirty="0"/>
-              <a:pPr/>
-              <a:t>‹#›</a:t>
             </a:fld>
             <a:endParaRPr lang="en-US" dirty="0"/>
           </a:p>
@@ -7231,13 +7253,13 @@
     <p:sldLayoutId id="2147483655" r:id="rId7"/>
     <p:sldLayoutId id="2147483656" r:id="rId8"/>
     <p:sldLayoutId id="2147483657" r:id="rId9"/>
-    <p:sldLayoutId id="2147483660" r:id="rId10"/>
-    <p:sldLayoutId id="2147483661" r:id="rId11"/>
-    <p:sldLayoutId id="2147483662" r:id="rId12"/>
-    <p:sldLayoutId id="2147483663" r:id="rId13"/>
-    <p:sldLayoutId id="2147483664" r:id="rId14"/>
-    <p:sldLayoutId id="2147483658" r:id="rId15"/>
-    <p:sldLayoutId id="2147483659" r:id="rId16"/>
+    <p:sldLayoutId id="2147483658" r:id="rId10"/>
+    <p:sldLayoutId id="2147483659" r:id="rId11"/>
+    <p:sldLayoutId id="2147483660" r:id="rId12"/>
+    <p:sldLayoutId id="2147483661" r:id="rId13"/>
+    <p:sldLayoutId id="2147483662" r:id="rId14"/>
+    <p:sldLayoutId id="2147483663" r:id="rId15"/>
+    <p:sldLayoutId id="2147483664" r:id="rId16"/>
   </p:sldLayoutIdLst>
   <p:txStyles>
     <p:titleStyle>
@@ -7326,7 +7348,7 @@
         <a:buClr>
           <a:schemeClr val="accent1"/>
         </a:buClr>
-        <a:buFont typeface="Wingdings 3" charset="2"/>
+        <a:buFont typeface="Wingdings 3" panose="05040102010807070707" charset="2"/>
         <a:buChar char=""/>
         <a:defRPr sz="1800" kern="1200">
           <a:solidFill>
@@ -7350,7 +7372,7 @@
         <a:buClr>
           <a:schemeClr val="accent1"/>
         </a:buClr>
-        <a:buFont typeface="Wingdings 3" charset="2"/>
+        <a:buFont typeface="Wingdings 3" panose="05040102010807070707" charset="2"/>
         <a:buChar char=""/>
         <a:defRPr sz="1600" kern="1200">
           <a:solidFill>
@@ -7374,7 +7396,7 @@
         <a:buClr>
           <a:schemeClr val="accent1"/>
         </a:buClr>
-        <a:buFont typeface="Wingdings 3" charset="2"/>
+        <a:buFont typeface="Wingdings 3" panose="05040102010807070707" charset="2"/>
         <a:buChar char=""/>
         <a:defRPr sz="1400" kern="1200">
           <a:solidFill>
@@ -7398,7 +7420,7 @@
         <a:buClr>
           <a:schemeClr val="accent1"/>
         </a:buClr>
-        <a:buFont typeface="Wingdings 3" charset="2"/>
+        <a:buFont typeface="Wingdings 3" panose="05040102010807070707" charset="2"/>
         <a:buChar char=""/>
         <a:defRPr sz="1200" kern="1200">
           <a:solidFill>
@@ -7422,7 +7444,7 @@
         <a:buClr>
           <a:schemeClr val="accent1"/>
         </a:buClr>
-        <a:buFont typeface="Wingdings 3" charset="2"/>
+        <a:buFont typeface="Wingdings 3" panose="05040102010807070707" charset="2"/>
         <a:buChar char=""/>
         <a:defRPr sz="1200" kern="1200">
           <a:solidFill>
@@ -7446,7 +7468,7 @@
         <a:buClr>
           <a:schemeClr val="accent1"/>
         </a:buClr>
-        <a:buFont typeface="Wingdings 3" charset="2"/>
+        <a:buFont typeface="Wingdings 3" panose="05040102010807070707" charset="2"/>
         <a:buChar char=""/>
         <a:defRPr sz="1200" kern="1200">
           <a:solidFill>
@@ -7470,7 +7492,7 @@
         <a:buClr>
           <a:schemeClr val="accent1"/>
         </a:buClr>
-        <a:buFont typeface="Wingdings 3" charset="2"/>
+        <a:buFont typeface="Wingdings 3" panose="05040102010807070707" charset="2"/>
         <a:buChar char=""/>
         <a:defRPr sz="1200" kern="1200">
           <a:solidFill>
@@ -7494,7 +7516,7 @@
         <a:buClr>
           <a:schemeClr val="accent1"/>
         </a:buClr>
-        <a:buFont typeface="Wingdings 3" charset="2"/>
+        <a:buFont typeface="Wingdings 3" panose="05040102010807070707" charset="2"/>
         <a:buChar char=""/>
         <a:defRPr sz="1200" kern="1200">
           <a:solidFill>
@@ -7518,7 +7540,7 @@
         <a:buClr>
           <a:schemeClr val="accent1"/>
         </a:buClr>
-        <a:buFont typeface="Wingdings 3" charset="2"/>
+        <a:buFont typeface="Wingdings 3" panose="05040102010807070707" charset="2"/>
         <a:buChar char=""/>
         <a:defRPr sz="1200" kern="1200">
           <a:solidFill>
@@ -7686,7 +7708,7 @@
           <p:nvPr/>
         </p:nvPicPr>
         <p:blipFill>
-          <a:blip r:embed="rId2">
+          <a:blip r:embed="rId1">
             <a:extLst>
               <a:ext uri="{28A0092B-C50C-407E-A947-70E740481C1C}">
                 <a14:useLocalDpi xmlns:a14="http://schemas.microsoft.com/office/drawing/2010/main" val="0"/>
@@ -7721,9 +7743,7 @@
       <p:sp>
         <p:nvSpPr>
           <p:cNvPr id="6" name="标题 2"/>
-          <p:cNvSpPr txBox="1">
-            <a:spLocks/>
-          </p:cNvSpPr>
+          <p:cNvSpPr txBox="1"/>
           <p:nvPr/>
         </p:nvSpPr>
         <p:spPr>
@@ -7828,11 +7848,6 @@
         </p:txBody>
       </p:sp>
     </p:spTree>
-    <p:extLst>
-      <p:ext uri="{BB962C8B-B14F-4D97-AF65-F5344CB8AC3E}">
-        <p14:creationId xmlns:p14="http://schemas.microsoft.com/office/powerpoint/2010/main" val="1871871245"/>
-      </p:ext>
-    </p:extLst>
   </p:cSld>
   <p:clrMapOvr>
     <a:masterClrMapping/>
@@ -7873,7 +7888,7 @@
         <p:spPr>
           <a:xfrm>
             <a:off x="2621902" y="1073020"/>
-            <a:ext cx="5061001" cy="2554545"/>
+            <a:ext cx="3810659" cy="2554545"/>
           </a:xfrm>
           <a:prstGeom prst="rect">
             <a:avLst/>
@@ -7892,8 +7907,13 @@
                   <a:srgbClr val="FF0000"/>
                 </a:solidFill>
               </a:rPr>
-              <a:t>Update  &amp; publish</a:t>
-            </a:r>
+              <a:t>Branch &amp; tag</a:t>
+            </a:r>
+            <a:endParaRPr lang="en-US" altLang="zh-CN" sz="4400" dirty="0" smtClean="0">
+              <a:solidFill>
+                <a:srgbClr val="FF0000"/>
+              </a:solidFill>
+            </a:endParaRPr>
           </a:p>
           <a:p>
             <a:endParaRPr lang="en-US" altLang="zh-CN" sz="2400" dirty="0" smtClean="0"/>
@@ -7901,19 +7921,15 @@
           <a:p>
             <a:r>
               <a:rPr lang="zh-CN" altLang="en-US" sz="2400" dirty="0" smtClean="0"/>
-              <a:t>更新代码 </a:t>
+              <a:t>分支</a:t>
             </a:r>
             <a:r>
               <a:rPr lang="en-US" altLang="zh-CN" sz="2400" dirty="0" smtClean="0"/>
-              <a:t>&amp; </a:t>
+              <a:t>&amp;</a:t>
             </a:r>
             <a:r>
               <a:rPr lang="zh-CN" altLang="en-US" sz="2400" dirty="0" smtClean="0"/>
-              <a:t>推送代码</a:t>
-            </a:r>
-            <a:r>
-              <a:rPr lang="zh-CN" altLang="en-US" sz="2400" dirty="0"/>
-              <a:t/>
+              <a:t>标签</a:t>
             </a:r>
             <a:br>
               <a:rPr lang="zh-CN" altLang="en-US" sz="2400" dirty="0"/>
@@ -7934,11 +7950,6 @@
         </p:txBody>
       </p:sp>
     </p:spTree>
-    <p:extLst>
-      <p:ext uri="{BB962C8B-B14F-4D97-AF65-F5344CB8AC3E}">
-        <p14:creationId xmlns:p14="http://schemas.microsoft.com/office/powerpoint/2010/main" val="1034775375"/>
-      </p:ext>
-    </p:extLst>
   </p:cSld>
   <p:clrMapOvr>
     <a:masterClrMapping/>
@@ -7979,7 +7990,7 @@
         <p:spPr>
           <a:xfrm>
             <a:off x="2621902" y="1073020"/>
-            <a:ext cx="4939173" cy="2554545"/>
+            <a:ext cx="5061001" cy="2554545"/>
           </a:xfrm>
           <a:prstGeom prst="rect">
             <a:avLst/>
@@ -7993,21 +8004,18 @@
           <a:lstStyle/>
           <a:p>
             <a:r>
-              <a:rPr lang="en-US" altLang="zh-CN" sz="4400" dirty="0">
-                <a:solidFill>
-                  <a:srgbClr val="FF0000"/>
-                </a:solidFill>
-              </a:rPr>
-              <a:t>merge</a:t>
-            </a:r>
-            <a:r>
               <a:rPr lang="en-US" altLang="zh-CN" sz="4400" dirty="0" smtClean="0">
                 <a:solidFill>
                   <a:srgbClr val="FF0000"/>
                 </a:solidFill>
               </a:rPr>
-              <a:t>  &amp;  rebase</a:t>
-            </a:r>
+              <a:t>Update  &amp; publish</a:t>
+            </a:r>
+            <a:endParaRPr lang="en-US" altLang="zh-CN" sz="4400" dirty="0" smtClean="0">
+              <a:solidFill>
+                <a:srgbClr val="FF0000"/>
+              </a:solidFill>
+            </a:endParaRPr>
           </a:p>
           <a:p>
             <a:endParaRPr lang="en-US" altLang="zh-CN" sz="2400" dirty="0" smtClean="0"/>
@@ -8015,11 +8023,15 @@
           <a:p>
             <a:r>
               <a:rPr lang="zh-CN" altLang="en-US" sz="2400" dirty="0" smtClean="0"/>
-              <a:t>合并代码的两种方式</a:t>
-            </a:r>
-            <a:r>
-              <a:rPr lang="zh-CN" altLang="en-US" sz="2400" dirty="0"/>
-              <a:t/>
+              <a:t>更新代码 </a:t>
+            </a:r>
+            <a:r>
+              <a:rPr lang="en-US" altLang="zh-CN" sz="2400" dirty="0" smtClean="0"/>
+              <a:t>&amp; </a:t>
+            </a:r>
+            <a:r>
+              <a:rPr lang="zh-CN" altLang="en-US" sz="2400" dirty="0" smtClean="0"/>
+              <a:t>推送代码</a:t>
             </a:r>
             <a:br>
               <a:rPr lang="zh-CN" altLang="en-US" sz="2400" dirty="0"/>
@@ -8040,11 +8052,6 @@
         </p:txBody>
       </p:sp>
     </p:spTree>
-    <p:extLst>
-      <p:ext uri="{BB962C8B-B14F-4D97-AF65-F5344CB8AC3E}">
-        <p14:creationId xmlns:p14="http://schemas.microsoft.com/office/powerpoint/2010/main" val="1034775375"/>
-      </p:ext>
-    </p:extLst>
   </p:cSld>
   <p:clrMapOvr>
     <a:masterClrMapping/>
@@ -8078,14 +8085,14 @@
       </p:grpSpPr>
       <p:sp>
         <p:nvSpPr>
-          <p:cNvPr id="2" name="TextBox 1"/>
+          <p:cNvPr id="4" name="TextBox 3"/>
           <p:cNvSpPr txBox="1"/>
           <p:nvPr/>
         </p:nvSpPr>
         <p:spPr>
           <a:xfrm>
-            <a:off x="3192651" y="232475"/>
-            <a:ext cx="7423688" cy="1754326"/>
+            <a:off x="2621902" y="1073020"/>
+            <a:ext cx="4939173" cy="2554545"/>
           </a:xfrm>
           <a:prstGeom prst="rect">
             <a:avLst/>
@@ -8093,312 +8100,60 @@
           <a:noFill/>
         </p:spPr>
         <p:txBody>
-          <a:bodyPr wrap="square" rtlCol="0">
-            <a:spAutoFit/>
-          </a:bodyPr>
-          <a:lstStyle/>
-          <a:p>
-            <a:r>
-              <a:rPr lang="en-US" altLang="zh-CN" sz="5400" b="1" dirty="0" err="1"/>
-              <a:t>git</a:t>
-            </a:r>
-            <a:r>
-              <a:rPr lang="en-US" altLang="zh-CN" sz="5400" b="1" dirty="0"/>
-              <a:t> cherry-pick</a:t>
-            </a:r>
-            <a:r>
-              <a:rPr lang="zh-CN" altLang="en-US" sz="5400" b="1" dirty="0"/>
-              <a:t>用法</a:t>
-            </a:r>
-          </a:p>
-          <a:p>
-            <a:endParaRPr lang="zh-CN" altLang="en-US" sz="5400" dirty="0"/>
-          </a:p>
-        </p:txBody>
-      </p:sp>
-      <p:sp>
-        <p:nvSpPr>
-          <p:cNvPr id="5" name="TextBox 4"/>
-          <p:cNvSpPr txBox="1"/>
-          <p:nvPr/>
-        </p:nvSpPr>
-        <p:spPr>
-          <a:xfrm>
-            <a:off x="867906" y="1398973"/>
-            <a:ext cx="11211724" cy="7109639"/>
-          </a:xfrm>
-          <a:prstGeom prst="rect">
-            <a:avLst/>
-          </a:prstGeom>
-          <a:noFill/>
-        </p:spPr>
-        <p:txBody>
           <a:bodyPr wrap="none" rtlCol="0">
             <a:spAutoFit/>
           </a:bodyPr>
           <a:lstStyle/>
           <a:p>
             <a:r>
-              <a:rPr lang="en-US" altLang="zh-CN" sz="2400" dirty="0" smtClean="0"/>
-              <a:t>1</a:t>
-            </a:r>
+              <a:rPr lang="en-US" altLang="zh-CN" sz="4400" dirty="0">
+                <a:solidFill>
+                  <a:srgbClr val="FF0000"/>
+                </a:solidFill>
+              </a:rPr>
+              <a:t>merge</a:t>
+            </a:r>
+            <a:r>
+              <a:rPr lang="en-US" altLang="zh-CN" sz="4400" dirty="0" smtClean="0">
+                <a:solidFill>
+                  <a:srgbClr val="FF0000"/>
+                </a:solidFill>
+              </a:rPr>
+              <a:t>  &amp;  rebase</a:t>
+            </a:r>
+            <a:endParaRPr lang="en-US" altLang="zh-CN" sz="4400" dirty="0" smtClean="0">
+              <a:solidFill>
+                <a:srgbClr val="FF0000"/>
+              </a:solidFill>
+            </a:endParaRPr>
+          </a:p>
+          <a:p>
+            <a:endParaRPr lang="en-US" altLang="zh-CN" sz="2400" dirty="0" smtClean="0"/>
+          </a:p>
+          <a:p>
             <a:r>
               <a:rPr lang="zh-CN" altLang="en-US" sz="2400" dirty="0" smtClean="0"/>
-              <a:t>，我们经常在测试机上开发新功能，有一天 领导想把这个功能提前发送生产机。</a:t>
-            </a:r>
-            <a:endParaRPr lang="en-US" altLang="zh-CN" sz="2400" dirty="0" smtClean="0"/>
-          </a:p>
-          <a:p>
-            <a:r>
-              <a:rPr lang="zh-CN" altLang="en-US" sz="2400" dirty="0" smtClean="0"/>
-              <a:t>就是说，把某个功能提前上线，即  </a:t>
-            </a:r>
-            <a:r>
-              <a:rPr lang="en-US" altLang="zh-CN" sz="2400" dirty="0" smtClean="0"/>
-              <a:t>test</a:t>
-            </a:r>
-            <a:r>
-              <a:rPr lang="zh-CN" altLang="en-US" sz="2400" dirty="0" smtClean="0"/>
-              <a:t>分支代码   发布到  </a:t>
-            </a:r>
-            <a:r>
-              <a:rPr lang="en-US" altLang="zh-CN" sz="2400" dirty="0" err="1" smtClean="0"/>
-              <a:t>uat</a:t>
-            </a:r>
-            <a:r>
-              <a:rPr lang="en-US" altLang="zh-CN" sz="2400" dirty="0" smtClean="0"/>
-              <a:t> </a:t>
-            </a:r>
-            <a:r>
-              <a:rPr lang="zh-CN" altLang="en-US" sz="2400" dirty="0" smtClean="0"/>
-              <a:t>分支代码</a:t>
-            </a:r>
-            <a:endParaRPr lang="en-US" altLang="zh-CN" sz="2400" dirty="0" smtClean="0"/>
-          </a:p>
-          <a:p>
-            <a:endParaRPr lang="en-US" altLang="zh-CN" sz="2400" dirty="0"/>
-          </a:p>
-          <a:p>
-            <a:r>
-              <a:rPr lang="en-US" altLang="zh-CN" sz="2400" dirty="0" smtClean="0"/>
-              <a:t>2</a:t>
-            </a:r>
-            <a:r>
+              <a:t>合并代码的两种方式</a:t>
+            </a:r>
+            <a:br>
               <a:rPr lang="zh-CN" altLang="en-US" sz="2400" dirty="0"/>
-              <a:t>该</a:t>
-            </a:r>
-            <a:r>
-              <a:rPr lang="en-US" altLang="zh-CN" sz="2400" dirty="0"/>
-              <a:t>cherry-pick</a:t>
-            </a:r>
-            <a:r>
-              <a:rPr lang="zh-CN" altLang="en-US" sz="2400" dirty="0"/>
-              <a:t>上场了</a:t>
-            </a:r>
-            <a:r>
-              <a:rPr lang="en-US" altLang="zh-CN" sz="2400" dirty="0"/>
-              <a:t>, cherry-pick</a:t>
-            </a:r>
-            <a:r>
-              <a:rPr lang="zh-CN" altLang="en-US" sz="2400" dirty="0"/>
-              <a:t>会重演某些</a:t>
-            </a:r>
-            <a:r>
-              <a:rPr lang="en-US" altLang="zh-CN" sz="2400" dirty="0"/>
-              <a:t>commit, </a:t>
-            </a:r>
-            <a:endParaRPr lang="en-US" altLang="zh-CN" sz="2400" dirty="0" smtClean="0"/>
-          </a:p>
-          <a:p>
-            <a:r>
-              <a:rPr lang="zh-CN" altLang="en-US" sz="2400" dirty="0" smtClean="0"/>
-              <a:t>即</a:t>
-            </a:r>
-            <a:r>
-              <a:rPr lang="zh-CN" altLang="en-US" sz="2400" dirty="0"/>
-              <a:t>把某些</a:t>
-            </a:r>
-            <a:r>
-              <a:rPr lang="en-US" altLang="zh-CN" sz="2400" dirty="0"/>
-              <a:t>commit</a:t>
-            </a:r>
-            <a:r>
-              <a:rPr lang="zh-CN" altLang="en-US" sz="2400" dirty="0"/>
-              <a:t>的更改重新执行一遍</a:t>
-            </a:r>
-            <a:r>
-              <a:rPr lang="en-US" altLang="zh-CN" sz="2400" dirty="0"/>
-              <a:t>. </a:t>
-            </a:r>
-            <a:r>
-              <a:rPr lang="zh-CN" altLang="en-US" sz="2400" dirty="0"/>
-              <a:t>那么上述问题的解决方案如下</a:t>
-            </a:r>
-            <a:r>
-              <a:rPr lang="en-US" altLang="zh-CN" sz="2400" dirty="0"/>
-              <a:t>:</a:t>
-            </a:r>
-            <a:endParaRPr lang="en-US" altLang="zh-CN" sz="2400" dirty="0"/>
-          </a:p>
-          <a:p>
-            <a:endParaRPr lang="en-US" altLang="zh-CN" sz="2400" dirty="0" smtClean="0"/>
-          </a:p>
-          <a:p>
-            <a:r>
-              <a:rPr lang="en-US" altLang="zh-CN" sz="2400" dirty="0" smtClean="0"/>
-              <a:t>			A</a:t>
-            </a:r>
-            <a:r>
-              <a:rPr lang="zh-CN" altLang="en-US" sz="2400" dirty="0" smtClean="0"/>
-              <a:t>： 先到</a:t>
-            </a:r>
-            <a:r>
-              <a:rPr lang="en-US" altLang="zh-CN" sz="2400" dirty="0" smtClean="0"/>
-              <a:t>test </a:t>
-            </a:r>
-            <a:r>
-              <a:rPr lang="zh-CN" altLang="en-US" sz="2400" dirty="0" smtClean="0"/>
-              <a:t>环境  找到 要重演的  </a:t>
-            </a:r>
-            <a:r>
-              <a:rPr lang="en-US" altLang="zh-CN" sz="2400" dirty="0" smtClean="0"/>
-              <a:t>commit id</a:t>
-            </a:r>
-          </a:p>
-          <a:p>
-            <a:endParaRPr lang="en-US" altLang="zh-CN" sz="2400" dirty="0"/>
-          </a:p>
-          <a:p>
-            <a:r>
-              <a:rPr lang="en-US" altLang="zh-CN" sz="2400" dirty="0" smtClean="0"/>
-              <a:t>			B</a:t>
-            </a:r>
-            <a:r>
-              <a:rPr lang="zh-CN" altLang="en-US" sz="2400" dirty="0" smtClean="0"/>
-              <a:t>： 在切换到  </a:t>
-            </a:r>
-            <a:r>
-              <a:rPr lang="en-US" altLang="zh-CN" sz="2400" dirty="0" err="1" smtClean="0"/>
-              <a:t>uat</a:t>
-            </a:r>
-            <a:r>
-              <a:rPr lang="en-US" altLang="zh-CN" sz="2400" dirty="0" smtClean="0"/>
-              <a:t> </a:t>
-            </a:r>
-            <a:r>
-              <a:rPr lang="zh-CN" altLang="en-US" sz="2400" dirty="0" smtClean="0"/>
-              <a:t>分支 输入下面命令</a:t>
-            </a:r>
-            <a:endParaRPr lang="en-US" altLang="zh-CN" sz="2400" dirty="0" smtClean="0"/>
-          </a:p>
-          <a:p>
-            <a:endParaRPr lang="en-US" altLang="zh-CN" sz="2400" dirty="0"/>
-          </a:p>
-          <a:p>
-            <a:r>
-              <a:rPr lang="en-US" altLang="zh-CN" sz="2400" dirty="0" smtClean="0"/>
-              <a:t>		</a:t>
-            </a:r>
-            <a:r>
-              <a:rPr lang="en-US" altLang="zh-CN" sz="2400" dirty="0" err="1" smtClean="0"/>
-              <a:t>git</a:t>
-            </a:r>
-            <a:r>
-              <a:rPr lang="en-US" altLang="zh-CN" sz="2400" dirty="0" smtClean="0"/>
-              <a:t> </a:t>
-            </a:r>
-            <a:r>
-              <a:rPr lang="en-US" altLang="zh-CN" sz="2400" dirty="0"/>
-              <a:t>cherry-pick </a:t>
-            </a:r>
-            <a:r>
-              <a:rPr lang="en-US" altLang="zh-CN" sz="2400" dirty="0" smtClean="0"/>
-              <a:t>20c2f506d78    9bb9f041050d</a:t>
-            </a:r>
-          </a:p>
-          <a:p>
-            <a:endParaRPr lang="en-US" altLang="zh-CN" sz="2400" dirty="0"/>
-          </a:p>
-          <a:p>
-            <a:r>
-              <a:rPr lang="zh-CN" altLang="en-US" sz="2400" dirty="0" smtClean="0"/>
-              <a:t>    多</a:t>
-            </a:r>
-            <a:r>
-              <a:rPr lang="zh-CN" altLang="en-US" sz="2400" dirty="0"/>
-              <a:t>个</a:t>
-            </a:r>
-            <a:r>
-              <a:rPr lang="en-US" altLang="zh-CN" sz="2400" dirty="0"/>
-              <a:t>commit-hash</a:t>
-            </a:r>
-            <a:r>
-              <a:rPr lang="zh-CN" altLang="en-US" sz="2400" dirty="0"/>
-              <a:t>使用空格分割</a:t>
-            </a:r>
-            <a:r>
-              <a:rPr lang="en-US" altLang="zh-CN" sz="2400" dirty="0"/>
-              <a:t>, commit-hash</a:t>
-            </a:r>
-            <a:r>
-              <a:rPr lang="zh-CN" altLang="en-US" sz="2400" dirty="0"/>
-              <a:t>最好按提交时间先后排列</a:t>
-            </a:r>
-            <a:r>
-              <a:rPr lang="en-US" altLang="zh-CN" sz="2400" dirty="0" smtClean="0"/>
-              <a:t>,</a:t>
-            </a:r>
-          </a:p>
-          <a:p>
-            <a:r>
-              <a:rPr lang="en-US" altLang="zh-CN" sz="2400" smtClean="0"/>
-              <a:t>     </a:t>
-            </a:r>
-            <a:r>
-              <a:rPr lang="zh-CN" altLang="en-US" sz="2400" smtClean="0"/>
-              <a:t>即</a:t>
-            </a:r>
-            <a:r>
-              <a:rPr lang="zh-CN" altLang="en-US" sz="2400" dirty="0"/>
-              <a:t>最先提交的</a:t>
-            </a:r>
-            <a:r>
-              <a:rPr lang="en-US" altLang="zh-CN" sz="2400" dirty="0"/>
-              <a:t>commit</a:t>
-            </a:r>
-            <a:r>
-              <a:rPr lang="zh-CN" altLang="en-US" sz="2400" dirty="0"/>
-              <a:t>放在前面</a:t>
-            </a:r>
-            <a:r>
-              <a:rPr lang="en-US" altLang="zh-CN" sz="2400" dirty="0"/>
-              <a:t>.</a:t>
-            </a:r>
-            <a:endParaRPr lang="en-US" altLang="zh-CN" sz="2400" dirty="0" smtClean="0"/>
-          </a:p>
-          <a:p>
-            <a:endParaRPr lang="en-US" altLang="zh-CN" sz="2400" dirty="0" smtClean="0"/>
-          </a:p>
-          <a:p>
-            <a:endParaRPr lang="en-US" altLang="zh-CN" sz="2400" dirty="0"/>
-          </a:p>
-          <a:p>
-            <a:endParaRPr lang="en-US" altLang="zh-CN" sz="2400" dirty="0" smtClean="0"/>
-          </a:p>
-          <a:p>
-            <a:endParaRPr lang="en-US" altLang="zh-CN" sz="2400" dirty="0" smtClean="0"/>
-          </a:p>
-          <a:p>
-            <a:endParaRPr lang="zh-CN" altLang="en-US" sz="2400" dirty="0"/>
+            </a:br>
+            <a:endParaRPr lang="en-US" altLang="zh-CN" sz="2400" dirty="0" smtClean="0">
+              <a:solidFill>
+                <a:srgbClr val="FF0000"/>
+              </a:solidFill>
+            </a:endParaRPr>
+          </a:p>
+          <a:p>
+            <a:endParaRPr lang="zh-CN" altLang="en-US" sz="4400" dirty="0">
+              <a:solidFill>
+                <a:srgbClr val="FF0000"/>
+              </a:solidFill>
+            </a:endParaRPr>
           </a:p>
         </p:txBody>
       </p:sp>
     </p:spTree>
-    <p:extLst>
-      <p:ext uri="{BB962C8B-B14F-4D97-AF65-F5344CB8AC3E}">
-        <p14:creationId xmlns:p14="http://schemas.microsoft.com/office/powerpoint/2010/main" val="1034775375"/>
-      </p:ext>
-    </p:extLst>
   </p:cSld>
   <p:clrMapOvr>
     <a:masterClrMapping/>
@@ -8432,43 +8187,14 @@
       </p:grpSpPr>
       <p:sp>
         <p:nvSpPr>
-          <p:cNvPr id="3" name="标题 2"/>
-          <p:cNvSpPr>
-            <a:spLocks noGrp="1"/>
-          </p:cNvSpPr>
-          <p:nvPr>
-            <p:ph type="ctrTitle"/>
-          </p:nvPr>
-        </p:nvSpPr>
-        <p:spPr>
-          <a:xfrm>
-            <a:off x="2418732" y="15498"/>
-            <a:ext cx="8915399" cy="1228270"/>
-          </a:xfrm>
-        </p:spPr>
-        <p:txBody>
-          <a:bodyPr/>
-          <a:lstStyle/>
-          <a:p>
-            <a:pPr algn="ctr"/>
-            <a:r>
-              <a:rPr lang="zh-CN" altLang="en-US" dirty="0" smtClean="0"/>
-              <a:t>额外补充</a:t>
-            </a:r>
-            <a:endParaRPr lang="zh-CN" altLang="en-US" dirty="0"/>
-          </a:p>
-        </p:txBody>
-      </p:sp>
-      <p:sp>
-        <p:nvSpPr>
           <p:cNvPr id="2" name="TextBox 1"/>
           <p:cNvSpPr txBox="1"/>
           <p:nvPr/>
         </p:nvSpPr>
         <p:spPr>
           <a:xfrm>
-            <a:off x="1952785" y="2138766"/>
-            <a:ext cx="9381345" cy="4524315"/>
+            <a:off x="3192651" y="232475"/>
+            <a:ext cx="7423688" cy="1754326"/>
           </a:xfrm>
           <a:prstGeom prst="rect">
             <a:avLst/>
@@ -8482,190 +8208,305 @@
           <a:lstStyle/>
           <a:p>
             <a:r>
+              <a:rPr lang="en-US" altLang="zh-CN" sz="5400" b="1" dirty="0" err="1"/>
+              <a:t>git</a:t>
+            </a:r>
+            <a:r>
+              <a:rPr lang="en-US" altLang="zh-CN" sz="5400" b="1" dirty="0"/>
+              <a:t> cherry-pick</a:t>
+            </a:r>
+            <a:r>
+              <a:rPr lang="zh-CN" altLang="en-US" sz="5400" b="1" dirty="0"/>
+              <a:t>用法</a:t>
+            </a:r>
+            <a:endParaRPr lang="zh-CN" altLang="en-US" sz="5400" b="1" dirty="0"/>
+          </a:p>
+          <a:p>
+            <a:endParaRPr lang="zh-CN" altLang="en-US" sz="5400" dirty="0"/>
+          </a:p>
+        </p:txBody>
+      </p:sp>
+      <p:sp>
+        <p:nvSpPr>
+          <p:cNvPr id="5" name="TextBox 4"/>
+          <p:cNvSpPr txBox="1"/>
+          <p:nvPr/>
+        </p:nvSpPr>
+        <p:spPr>
+          <a:xfrm>
+            <a:off x="867906" y="1398973"/>
+            <a:ext cx="11211724" cy="7109639"/>
+          </a:xfrm>
+          <a:prstGeom prst="rect">
+            <a:avLst/>
+          </a:prstGeom>
+          <a:noFill/>
+        </p:spPr>
+        <p:txBody>
+          <a:bodyPr wrap="none" rtlCol="0">
+            <a:spAutoFit/>
+          </a:bodyPr>
+          <a:lstStyle/>
+          <a:p>
+            <a:r>
               <a:rPr lang="en-US" altLang="zh-CN" sz="2400" dirty="0" smtClean="0"/>
-              <a:t>1 </a:t>
+              <a:t>1</a:t>
             </a:r>
             <a:r>
               <a:rPr lang="zh-CN" altLang="en-US" sz="2400" dirty="0" smtClean="0"/>
-              <a:t>，</a:t>
+              <a:t>，我们经常在测试机上开发新功能，有一天 领导想把这个功能提前发送生产机。</a:t>
+            </a:r>
+            <a:endParaRPr lang="en-US" altLang="zh-CN" sz="2400" dirty="0" smtClean="0"/>
+          </a:p>
+          <a:p>
+            <a:r>
+              <a:rPr lang="zh-CN" altLang="en-US" sz="2400" dirty="0" smtClean="0"/>
+              <a:t>就是说，把某个功能提前上线，即  </a:t>
+            </a:r>
+            <a:r>
+              <a:rPr lang="en-US" altLang="zh-CN" sz="2400" dirty="0" smtClean="0"/>
+              <a:t>test</a:t>
+            </a:r>
+            <a:r>
+              <a:rPr lang="zh-CN" altLang="en-US" sz="2400" dirty="0" smtClean="0"/>
+              <a:t>分支代码   发布到  </a:t>
+            </a:r>
+            <a:r>
+              <a:rPr lang="en-US" altLang="zh-CN" sz="2400" dirty="0" err="1" smtClean="0"/>
+              <a:t>uat</a:t>
+            </a:r>
+            <a:r>
+              <a:rPr lang="en-US" altLang="zh-CN" sz="2400" dirty="0" smtClean="0"/>
+              <a:t> </a:t>
+            </a:r>
+            <a:r>
+              <a:rPr lang="zh-CN" altLang="en-US" sz="2400" dirty="0" smtClean="0"/>
+              <a:t>分支代码</a:t>
+            </a:r>
+            <a:endParaRPr lang="en-US" altLang="zh-CN" sz="2400" dirty="0" smtClean="0"/>
+          </a:p>
+          <a:p>
+            <a:endParaRPr lang="en-US" altLang="zh-CN" sz="2400" dirty="0"/>
+          </a:p>
+          <a:p>
+            <a:r>
+              <a:rPr lang="en-US" altLang="zh-CN" sz="2400" dirty="0" smtClean="0"/>
+              <a:t>2</a:t>
             </a:r>
             <a:r>
               <a:rPr lang="zh-CN" altLang="en-US" sz="2400" dirty="0"/>
-              <a:t>忽略特殊文件</a:t>
-            </a:r>
+              <a:t>该</a:t>
+            </a:r>
+            <a:r>
+              <a:rPr lang="en-US" altLang="zh-CN" sz="2400" dirty="0"/>
+              <a:t>cherry-pick</a:t>
+            </a:r>
+            <a:r>
+              <a:rPr lang="zh-CN" altLang="en-US" sz="2400" dirty="0"/>
+              <a:t>上场了</a:t>
+            </a:r>
+            <a:r>
+              <a:rPr lang="en-US" altLang="zh-CN" sz="2400" dirty="0"/>
+              <a:t>, cherry-pick</a:t>
+            </a:r>
+            <a:r>
+              <a:rPr lang="zh-CN" altLang="en-US" sz="2400" dirty="0"/>
+              <a:t>会重演某些</a:t>
+            </a:r>
+            <a:r>
+              <a:rPr lang="en-US" altLang="zh-CN" sz="2400" dirty="0"/>
+              <a:t>commit, </a:t>
+            </a:r>
+            <a:endParaRPr lang="en-US" altLang="zh-CN" sz="2400" dirty="0" smtClean="0"/>
+          </a:p>
+          <a:p>
+            <a:r>
+              <a:rPr lang="zh-CN" altLang="en-US" sz="2400" dirty="0" smtClean="0"/>
+              <a:t>即</a:t>
+            </a:r>
+            <a:r>
+              <a:rPr lang="zh-CN" altLang="en-US" sz="2400" dirty="0"/>
+              <a:t>把某些</a:t>
+            </a:r>
+            <a:r>
+              <a:rPr lang="en-US" altLang="zh-CN" sz="2400" dirty="0"/>
+              <a:t>commit</a:t>
+            </a:r>
+            <a:r>
+              <a:rPr lang="zh-CN" altLang="en-US" sz="2400" dirty="0"/>
+              <a:t>的更改重新执行一遍</a:t>
+            </a:r>
+            <a:r>
+              <a:rPr lang="en-US" altLang="zh-CN" sz="2400" dirty="0"/>
+              <a:t>. </a:t>
+            </a:r>
+            <a:r>
+              <a:rPr lang="zh-CN" altLang="en-US" sz="2400" dirty="0"/>
+              <a:t>那么上述问题的解决方案如下</a:t>
+            </a:r>
+            <a:r>
+              <a:rPr lang="en-US" altLang="zh-CN" sz="2400" dirty="0"/>
+              <a:t>:</a:t>
+            </a:r>
+            <a:endParaRPr lang="en-US" altLang="zh-CN" sz="2400" dirty="0"/>
+          </a:p>
+          <a:p>
+            <a:endParaRPr lang="en-US" altLang="zh-CN" sz="2400" dirty="0" smtClean="0"/>
           </a:p>
           <a:p>
             <a:r>
               <a:rPr lang="en-US" altLang="zh-CN" sz="2400" dirty="0" smtClean="0"/>
-              <a:t>	</a:t>
+              <a:t>			A</a:t>
             </a:r>
             <a:r>
               <a:rPr lang="zh-CN" altLang="en-US" sz="2400" dirty="0" smtClean="0"/>
-              <a:t>添加   </a:t>
+              <a:t>： 先到</a:t>
+            </a:r>
+            <a:r>
+              <a:rPr lang="en-US" altLang="zh-CN" sz="2400" dirty="0" smtClean="0"/>
+              <a:t>test </a:t>
+            </a:r>
+            <a:r>
+              <a:rPr lang="zh-CN" altLang="en-US" sz="2400" dirty="0" smtClean="0"/>
+              <a:t>环境  找到 要重演的  </a:t>
+            </a:r>
+            <a:r>
+              <a:rPr lang="en-US" altLang="zh-CN" sz="2400" dirty="0" smtClean="0"/>
+              <a:t>commit id</a:t>
+            </a:r>
+            <a:endParaRPr lang="en-US" altLang="zh-CN" sz="2400" dirty="0" smtClean="0"/>
+          </a:p>
+          <a:p>
+            <a:endParaRPr lang="en-US" altLang="zh-CN" sz="2400" dirty="0"/>
+          </a:p>
+          <a:p>
+            <a:r>
+              <a:rPr lang="en-US" altLang="zh-CN" sz="2400" dirty="0" smtClean="0"/>
+              <a:t>			B</a:t>
+            </a:r>
+            <a:r>
+              <a:rPr lang="zh-CN" altLang="en-US" sz="2400" dirty="0" smtClean="0"/>
+              <a:t>： 在切换到  </a:t>
+            </a:r>
+            <a:r>
+              <a:rPr lang="en-US" altLang="zh-CN" sz="2400" dirty="0" err="1" smtClean="0"/>
+              <a:t>uat</a:t>
+            </a:r>
+            <a:r>
+              <a:rPr lang="en-US" altLang="zh-CN" sz="2400" dirty="0" smtClean="0"/>
+              <a:t> </a:t>
+            </a:r>
+            <a:r>
+              <a:rPr lang="zh-CN" altLang="en-US" sz="2400" dirty="0" smtClean="0"/>
+              <a:t>分支 输入下面命令</a:t>
+            </a:r>
+            <a:endParaRPr lang="en-US" altLang="zh-CN" sz="2400" dirty="0" smtClean="0"/>
+          </a:p>
+          <a:p>
+            <a:endParaRPr lang="en-US" altLang="zh-CN" sz="2400" dirty="0"/>
+          </a:p>
+          <a:p>
+            <a:r>
+              <a:rPr lang="en-US" altLang="zh-CN" sz="2400" dirty="0" smtClean="0"/>
+              <a:t>		</a:t>
+            </a:r>
+            <a:r>
+              <a:rPr lang="en-US" altLang="zh-CN" sz="2400" dirty="0" err="1" smtClean="0"/>
+              <a:t>git</a:t>
+            </a:r>
+            <a:r>
+              <a:rPr lang="en-US" altLang="zh-CN" sz="2400" dirty="0" smtClean="0"/>
+              <a:t> </a:t>
+            </a:r>
+            <a:r>
+              <a:rPr lang="en-US" altLang="zh-CN" sz="2400" dirty="0"/>
+              <a:t>cherry-pick </a:t>
+            </a:r>
+            <a:r>
+              <a:rPr lang="en-US" altLang="zh-CN" sz="2400" dirty="0" smtClean="0"/>
+              <a:t>20c2f506d78    9bb9f041050d</a:t>
+            </a:r>
+            <a:endParaRPr lang="en-US" altLang="zh-CN" sz="2400" dirty="0" smtClean="0"/>
+          </a:p>
+          <a:p>
+            <a:endParaRPr lang="en-US" altLang="zh-CN" sz="2400" dirty="0"/>
+          </a:p>
+          <a:p>
+            <a:r>
+              <a:rPr lang="zh-CN" altLang="en-US" sz="2400" dirty="0" smtClean="0"/>
+              <a:t>    多</a:t>
+            </a:r>
+            <a:r>
+              <a:rPr lang="zh-CN" altLang="en-US" sz="2400" dirty="0"/>
+              <a:t>个</a:t>
+            </a:r>
+            <a:r>
+              <a:rPr lang="en-US" altLang="zh-CN" sz="2400" dirty="0"/>
+              <a:t>commit-hash</a:t>
+            </a:r>
+            <a:r>
+              <a:rPr lang="zh-CN" altLang="en-US" sz="2400" dirty="0"/>
+              <a:t>使用空格分割</a:t>
+            </a:r>
+            <a:r>
+              <a:rPr lang="en-US" altLang="zh-CN" sz="2400" dirty="0"/>
+              <a:t>, commit-hash</a:t>
+            </a:r>
+            <a:r>
+              <a:rPr lang="zh-CN" altLang="en-US" sz="2400" dirty="0"/>
+              <a:t>最好按提交时间先后排列</a:t>
+            </a:r>
+            <a:r>
+              <a:rPr lang="en-US" altLang="zh-CN" sz="2400" dirty="0" smtClean="0"/>
+              <a:t>,</a:t>
+            </a:r>
+            <a:endParaRPr lang="en-US" altLang="zh-CN" sz="2400" dirty="0" smtClean="0"/>
+          </a:p>
+          <a:p>
+            <a:r>
+              <a:rPr lang="en-US" altLang="zh-CN" sz="2400" smtClean="0"/>
+              <a:t>     </a:t>
+            </a:r>
+            <a:r>
+              <a:rPr lang="zh-CN" altLang="en-US" sz="2400" smtClean="0"/>
+              <a:t>即</a:t>
+            </a:r>
+            <a:r>
+              <a:rPr lang="zh-CN" altLang="en-US" sz="2400" dirty="0"/>
+              <a:t>最先提交的</a:t>
+            </a:r>
+            <a:r>
+              <a:rPr lang="en-US" altLang="zh-CN" sz="2400" dirty="0"/>
+              <a:t>commit</a:t>
+            </a:r>
+            <a:r>
+              <a:rPr lang="zh-CN" altLang="en-US" sz="2400" dirty="0"/>
+              <a:t>放在前面</a:t>
             </a:r>
             <a:r>
               <a:rPr lang="en-US" altLang="zh-CN" sz="2400" dirty="0"/>
               <a:t>.</a:t>
             </a:r>
-            <a:r>
-              <a:rPr lang="en-US" altLang="zh-CN" sz="2400" dirty="0" err="1" smtClean="0"/>
-              <a:t>gitignore</a:t>
-            </a:r>
-            <a:r>
-              <a:rPr lang="en-US" altLang="zh-CN" sz="2400" dirty="0" smtClean="0"/>
-              <a:t>  </a:t>
-            </a:r>
-            <a:r>
-              <a:rPr lang="zh-CN" altLang="en-US" sz="2400" dirty="0" smtClean="0"/>
-              <a:t>， 该文件需要使用</a:t>
-            </a:r>
-            <a:r>
-              <a:rPr lang="en-US" altLang="zh-CN" sz="2400" dirty="0" smtClean="0"/>
-              <a:t>bash</a:t>
-            </a:r>
-            <a:r>
-              <a:rPr lang="zh-CN" altLang="en-US" sz="2400" dirty="0" smtClean="0"/>
-              <a:t>命令创建，</a:t>
-            </a:r>
-            <a:r>
-              <a:rPr lang="en-US" altLang="zh-CN" sz="2400" dirty="0" smtClean="0"/>
-              <a:t>windows</a:t>
-            </a:r>
-            <a:r>
-              <a:rPr lang="zh-CN" altLang="en-US" sz="2400" dirty="0" smtClean="0"/>
-              <a:t>创建会失败</a:t>
-            </a:r>
             <a:endParaRPr lang="en-US" altLang="zh-CN" sz="2400" dirty="0" smtClean="0"/>
           </a:p>
           <a:p>
+            <a:endParaRPr lang="en-US" altLang="zh-CN" sz="2400" dirty="0" smtClean="0"/>
+          </a:p>
+          <a:p>
             <a:endParaRPr lang="en-US" altLang="zh-CN" sz="2400" dirty="0"/>
           </a:p>
           <a:p>
             <a:endParaRPr lang="en-US" altLang="zh-CN" sz="2400" dirty="0" smtClean="0"/>
           </a:p>
           <a:p>
-            <a:r>
-              <a:rPr lang="en-US" altLang="zh-CN" sz="2400" dirty="0" smtClean="0"/>
-              <a:t>2 </a:t>
-            </a:r>
-            <a:r>
-              <a:rPr lang="zh-CN" altLang="en-US" sz="2400" dirty="0" smtClean="0"/>
-              <a:t>，</a:t>
-            </a:r>
-            <a:r>
-              <a:rPr lang="zh-CN" altLang="en-US" sz="2400" dirty="0"/>
-              <a:t>配置别名</a:t>
-            </a:r>
-          </a:p>
-          <a:p>
-            <a:r>
-              <a:rPr lang="en-US" altLang="zh-CN" sz="2400" dirty="0"/>
-              <a:t>$ </a:t>
-            </a:r>
-            <a:r>
-              <a:rPr lang="en-US" altLang="zh-CN" sz="2400" dirty="0" err="1"/>
-              <a:t>git</a:t>
-            </a:r>
-            <a:r>
-              <a:rPr lang="en-US" altLang="zh-CN" sz="2400" dirty="0"/>
-              <a:t> </a:t>
-            </a:r>
-            <a:r>
-              <a:rPr lang="en-US" altLang="zh-CN" sz="2400" dirty="0" err="1"/>
-              <a:t>config</a:t>
-            </a:r>
-            <a:r>
-              <a:rPr lang="en-US" altLang="zh-CN" sz="2400" dirty="0"/>
-              <a:t> --global </a:t>
-            </a:r>
-            <a:r>
-              <a:rPr lang="en-US" altLang="zh-CN" sz="2400" b="1" dirty="0"/>
-              <a:t>alias</a:t>
-            </a:r>
-            <a:r>
-              <a:rPr lang="en-US" altLang="zh-CN" sz="2400" dirty="0"/>
-              <a:t>.co checkout </a:t>
-            </a:r>
             <a:endParaRPr lang="en-US" altLang="zh-CN" sz="2400" dirty="0" smtClean="0"/>
           </a:p>
           <a:p>
-            <a:r>
-              <a:rPr lang="en-US" altLang="zh-CN" sz="2400" dirty="0" smtClean="0"/>
-              <a:t>$ </a:t>
-            </a:r>
-            <a:r>
-              <a:rPr lang="en-US" altLang="zh-CN" sz="2400" dirty="0" err="1"/>
-              <a:t>git</a:t>
-            </a:r>
-            <a:r>
-              <a:rPr lang="en-US" altLang="zh-CN" sz="2400" dirty="0"/>
-              <a:t> </a:t>
-            </a:r>
-            <a:r>
-              <a:rPr lang="en-US" altLang="zh-CN" sz="2400" dirty="0" err="1"/>
-              <a:t>config</a:t>
-            </a:r>
-            <a:r>
-              <a:rPr lang="en-US" altLang="zh-CN" sz="2400" dirty="0"/>
-              <a:t> --global </a:t>
-            </a:r>
-            <a:r>
-              <a:rPr lang="en-US" altLang="zh-CN" sz="2400" b="1" dirty="0"/>
-              <a:t>alias</a:t>
-            </a:r>
-            <a:r>
-              <a:rPr lang="en-US" altLang="zh-CN" sz="2400" dirty="0"/>
-              <a:t>.ci commit </a:t>
-            </a:r>
-            <a:endParaRPr lang="en-US" altLang="zh-CN" sz="2400" dirty="0" smtClean="0"/>
-          </a:p>
-          <a:p>
-            <a:r>
-              <a:rPr lang="en-US" altLang="zh-CN" sz="2400" dirty="0" smtClean="0"/>
-              <a:t>$ </a:t>
-            </a:r>
-            <a:r>
-              <a:rPr lang="en-US" altLang="zh-CN" sz="2400" dirty="0" err="1"/>
-              <a:t>git</a:t>
-            </a:r>
-            <a:r>
-              <a:rPr lang="en-US" altLang="zh-CN" sz="2400" dirty="0"/>
-              <a:t> </a:t>
-            </a:r>
-            <a:r>
-              <a:rPr lang="en-US" altLang="zh-CN" sz="2400" dirty="0" err="1"/>
-              <a:t>config</a:t>
-            </a:r>
-            <a:r>
-              <a:rPr lang="en-US" altLang="zh-CN" sz="2400" dirty="0"/>
-              <a:t> --global </a:t>
-            </a:r>
-            <a:r>
-              <a:rPr lang="en-US" altLang="zh-CN" sz="2400" b="1" dirty="0"/>
-              <a:t>alias</a:t>
-            </a:r>
-            <a:r>
-              <a:rPr lang="en-US" altLang="zh-CN" sz="2400" dirty="0"/>
-              <a:t>.br branch</a:t>
-            </a:r>
-          </a:p>
-          <a:p>
-            <a:endParaRPr lang="en-US" altLang="zh-CN" sz="2400" dirty="0" smtClean="0"/>
-          </a:p>
-          <a:p>
-            <a:endParaRPr lang="en-US" altLang="zh-CN" sz="2400" dirty="0"/>
-          </a:p>
-          <a:p>
             <a:endParaRPr lang="zh-CN" altLang="en-US" sz="2400" dirty="0"/>
           </a:p>
         </p:txBody>
       </p:sp>
     </p:spTree>
-    <p:extLst>
-      <p:ext uri="{BB962C8B-B14F-4D97-AF65-F5344CB8AC3E}">
-        <p14:creationId xmlns:p14="http://schemas.microsoft.com/office/powerpoint/2010/main" val="1034775375"/>
-      </p:ext>
-    </p:extLst>
   </p:cSld>
   <p:clrMapOvr>
     <a:masterClrMapping/>
@@ -8707,25 +8548,241 @@
             <p:ph type="ctrTitle"/>
           </p:nvPr>
         </p:nvSpPr>
-        <p:spPr/>
+        <p:spPr>
+          <a:xfrm>
+            <a:off x="2418732" y="15498"/>
+            <a:ext cx="8915399" cy="1228270"/>
+          </a:xfrm>
+        </p:spPr>
         <p:txBody>
           <a:bodyPr/>
           <a:lstStyle/>
           <a:p>
+            <a:pPr algn="ctr"/>
+            <a:r>
+              <a:rPr lang="zh-CN" altLang="en-US" dirty="0" smtClean="0"/>
+              <a:t>额外补充</a:t>
+            </a:r>
             <a:endParaRPr lang="zh-CN" altLang="en-US" dirty="0"/>
           </a:p>
         </p:txBody>
       </p:sp>
+      <p:sp>
+        <p:nvSpPr>
+          <p:cNvPr id="2" name="TextBox 1"/>
+          <p:cNvSpPr txBox="1"/>
+          <p:nvPr/>
+        </p:nvSpPr>
+        <p:spPr>
+          <a:xfrm>
+            <a:off x="1952785" y="2138766"/>
+            <a:ext cx="9381345" cy="4524315"/>
+          </a:xfrm>
+          <a:prstGeom prst="rect">
+            <a:avLst/>
+          </a:prstGeom>
+          <a:noFill/>
+        </p:spPr>
+        <p:txBody>
+          <a:bodyPr wrap="square" rtlCol="0">
+            <a:spAutoFit/>
+          </a:bodyPr>
+          <a:lstStyle/>
+          <a:p>
+            <a:r>
+              <a:rPr lang="en-US" altLang="zh-CN" sz="2400" dirty="0" smtClean="0"/>
+              <a:t>1 </a:t>
+            </a:r>
+            <a:r>
+              <a:rPr lang="zh-CN" altLang="en-US" sz="2400" dirty="0" smtClean="0"/>
+              <a:t>，</a:t>
+            </a:r>
+            <a:r>
+              <a:rPr lang="zh-CN" altLang="en-US" sz="2400" dirty="0"/>
+              <a:t>忽略特殊文件</a:t>
+            </a:r>
+            <a:endParaRPr lang="zh-CN" altLang="en-US" sz="2400" dirty="0"/>
+          </a:p>
+          <a:p>
+            <a:r>
+              <a:rPr lang="en-US" altLang="zh-CN" sz="2400" dirty="0" smtClean="0"/>
+              <a:t>	</a:t>
+            </a:r>
+            <a:r>
+              <a:rPr lang="zh-CN" altLang="en-US" sz="2400" dirty="0" smtClean="0"/>
+              <a:t>添加   </a:t>
+            </a:r>
+            <a:r>
+              <a:rPr lang="en-US" altLang="zh-CN" sz="2400" dirty="0"/>
+              <a:t>.</a:t>
+            </a:r>
+            <a:r>
+              <a:rPr lang="en-US" altLang="zh-CN" sz="2400" dirty="0" err="1" smtClean="0"/>
+              <a:t>gitignore</a:t>
+            </a:r>
+            <a:r>
+              <a:rPr lang="en-US" altLang="zh-CN" sz="2400" dirty="0" smtClean="0"/>
+              <a:t>  </a:t>
+            </a:r>
+            <a:r>
+              <a:rPr lang="zh-CN" altLang="en-US" sz="2400" dirty="0" smtClean="0"/>
+              <a:t>， 该文件需要使用</a:t>
+            </a:r>
+            <a:r>
+              <a:rPr lang="en-US" altLang="zh-CN" sz="2400" dirty="0" smtClean="0"/>
+              <a:t>bash</a:t>
+            </a:r>
+            <a:r>
+              <a:rPr lang="zh-CN" altLang="en-US" sz="2400" dirty="0" smtClean="0"/>
+              <a:t>命令创建，</a:t>
+            </a:r>
+            <a:r>
+              <a:rPr lang="en-US" altLang="zh-CN" sz="2400" dirty="0" smtClean="0"/>
+              <a:t>windows</a:t>
+            </a:r>
+            <a:r>
+              <a:rPr lang="zh-CN" altLang="en-US" sz="2400" dirty="0" smtClean="0"/>
+              <a:t>创建会失败</a:t>
+            </a:r>
+            <a:endParaRPr lang="en-US" altLang="zh-CN" sz="2400" dirty="0" smtClean="0"/>
+          </a:p>
+          <a:p>
+            <a:endParaRPr lang="en-US" altLang="zh-CN" sz="2400" dirty="0"/>
+          </a:p>
+          <a:p>
+            <a:endParaRPr lang="en-US" altLang="zh-CN" sz="2400" dirty="0" smtClean="0"/>
+          </a:p>
+          <a:p>
+            <a:r>
+              <a:rPr lang="en-US" altLang="zh-CN" sz="2400" dirty="0" smtClean="0"/>
+              <a:t>2 </a:t>
+            </a:r>
+            <a:r>
+              <a:rPr lang="zh-CN" altLang="en-US" sz="2400" dirty="0" smtClean="0"/>
+              <a:t>，</a:t>
+            </a:r>
+            <a:r>
+              <a:rPr lang="zh-CN" altLang="en-US" sz="2400" dirty="0"/>
+              <a:t>配置别名</a:t>
+            </a:r>
+            <a:endParaRPr lang="zh-CN" altLang="en-US" sz="2400" dirty="0"/>
+          </a:p>
+          <a:p>
+            <a:r>
+              <a:rPr lang="en-US" altLang="zh-CN" sz="2400" dirty="0"/>
+              <a:t>$ </a:t>
+            </a:r>
+            <a:r>
+              <a:rPr lang="en-US" altLang="zh-CN" sz="2400" dirty="0" err="1"/>
+              <a:t>git</a:t>
+            </a:r>
+            <a:r>
+              <a:rPr lang="en-US" altLang="zh-CN" sz="2400" dirty="0"/>
+              <a:t> </a:t>
+            </a:r>
+            <a:r>
+              <a:rPr lang="en-US" altLang="zh-CN" sz="2400" dirty="0" err="1"/>
+              <a:t>config</a:t>
+            </a:r>
+            <a:r>
+              <a:rPr lang="en-US" altLang="zh-CN" sz="2400" dirty="0"/>
+              <a:t> --global </a:t>
+            </a:r>
+            <a:r>
+              <a:rPr lang="en-US" altLang="zh-CN" sz="2400" b="1" dirty="0"/>
+              <a:t>alias</a:t>
+            </a:r>
+            <a:r>
+              <a:rPr lang="en-US" altLang="zh-CN" sz="2400" dirty="0"/>
+              <a:t>.co checkout </a:t>
+            </a:r>
+            <a:endParaRPr lang="en-US" altLang="zh-CN" sz="2400" dirty="0" smtClean="0"/>
+          </a:p>
+          <a:p>
+            <a:r>
+              <a:rPr lang="en-US" altLang="zh-CN" sz="2400" dirty="0" smtClean="0"/>
+              <a:t>$ </a:t>
+            </a:r>
+            <a:r>
+              <a:rPr lang="en-US" altLang="zh-CN" sz="2400" dirty="0" err="1"/>
+              <a:t>git</a:t>
+            </a:r>
+            <a:r>
+              <a:rPr lang="en-US" altLang="zh-CN" sz="2400" dirty="0"/>
+              <a:t> </a:t>
+            </a:r>
+            <a:r>
+              <a:rPr lang="en-US" altLang="zh-CN" sz="2400" dirty="0" err="1"/>
+              <a:t>config</a:t>
+            </a:r>
+            <a:r>
+              <a:rPr lang="en-US" altLang="zh-CN" sz="2400" dirty="0"/>
+              <a:t> --global </a:t>
+            </a:r>
+            <a:r>
+              <a:rPr lang="en-US" altLang="zh-CN" sz="2400" b="1" dirty="0"/>
+              <a:t>alias</a:t>
+            </a:r>
+            <a:r>
+              <a:rPr lang="en-US" altLang="zh-CN" sz="2400" dirty="0"/>
+              <a:t>.ci commit </a:t>
+            </a:r>
+            <a:endParaRPr lang="en-US" altLang="zh-CN" sz="2400" dirty="0" smtClean="0"/>
+          </a:p>
+          <a:p>
+            <a:r>
+              <a:rPr lang="en-US" altLang="zh-CN" sz="2400" dirty="0" smtClean="0"/>
+              <a:t>$ </a:t>
+            </a:r>
+            <a:r>
+              <a:rPr lang="en-US" altLang="zh-CN" sz="2400" dirty="0" err="1"/>
+              <a:t>git</a:t>
+            </a:r>
+            <a:r>
+              <a:rPr lang="en-US" altLang="zh-CN" sz="2400" dirty="0"/>
+              <a:t> </a:t>
+            </a:r>
+            <a:r>
+              <a:rPr lang="en-US" altLang="zh-CN" sz="2400" dirty="0" err="1"/>
+              <a:t>config</a:t>
+            </a:r>
+            <a:r>
+              <a:rPr lang="en-US" altLang="zh-CN" sz="2400" dirty="0"/>
+              <a:t> --global </a:t>
+            </a:r>
+            <a:r>
+              <a:rPr lang="en-US" altLang="zh-CN" sz="2400" b="1" dirty="0"/>
+              <a:t>alias</a:t>
+            </a:r>
+            <a:r>
+              <a:rPr lang="en-US" altLang="zh-CN" sz="2400" dirty="0"/>
+              <a:t>.br branch</a:t>
+            </a:r>
+            <a:endParaRPr lang="en-US" altLang="zh-CN" sz="2400" dirty="0"/>
+          </a:p>
+          <a:p>
+            <a:endParaRPr lang="en-US" altLang="zh-CN" sz="2400" dirty="0" smtClean="0"/>
+          </a:p>
+          <a:p>
+            <a:endParaRPr lang="en-US" altLang="zh-CN" sz="2400" dirty="0"/>
+          </a:p>
+          <a:p>
+            <a:endParaRPr lang="zh-CN" altLang="en-US" sz="2400" dirty="0"/>
+          </a:p>
+        </p:txBody>
+      </p:sp>
     </p:spTree>
-    <p:extLst>
-      <p:ext uri="{BB962C8B-B14F-4D97-AF65-F5344CB8AC3E}">
-        <p14:creationId xmlns:p14="http://schemas.microsoft.com/office/powerpoint/2010/main" val="1034775375"/>
-      </p:ext>
-    </p:extLst>
   </p:cSld>
   <p:clrMapOvr>
     <a:masterClrMapping/>
   </p:clrMapOvr>
+  <p:timing>
+    <p:tnLst>
+      <p:par>
+        <p:cTn id="1" dur="indefinite" restart="never" nodeType="tmRoot"/>
+      </p:par>
+    </p:tnLst>
+  </p:timing>
 </p:sld>
 </file>
 
@@ -8756,21 +8813,50 @@
             <p:ph type="ctrTitle"/>
           </p:nvPr>
         </p:nvSpPr>
-        <p:spPr/>
+        <p:spPr>
+          <a:xfrm>
+            <a:off x="2179320" y="1739900"/>
+            <a:ext cx="8915400" cy="1181100"/>
+          </a:xfrm>
+        </p:spPr>
         <p:txBody>
           <a:bodyPr/>
           <a:lstStyle/>
           <a:p>
-            <a:endParaRPr lang="zh-CN" altLang="en-US" dirty="0"/>
+            <a:pPr algn="ctr"/>
+            <a:r>
+              <a:rPr lang="en-US" altLang="zh-CN" dirty="0">
+                <a:solidFill>
+                  <a:srgbClr val="FF0000"/>
+                </a:solidFill>
+              </a:rPr>
+              <a:t>git </a:t>
+            </a:r>
+            <a:r>
+              <a:rPr lang="zh-CN" altLang="en-US" dirty="0">
+                <a:solidFill>
+                  <a:srgbClr val="FF0000"/>
+                </a:solidFill>
+              </a:rPr>
+              <a:t>语法、</a:t>
+            </a:r>
+            <a:r>
+              <a:rPr lang="zh-CN" altLang="en-US" dirty="0">
+                <a:solidFill>
+                  <a:srgbClr val="FF0000"/>
+                </a:solidFill>
+              </a:rPr>
+              <a:t>操作总结</a:t>
+            </a:r>
+            <a:endParaRPr lang="zh-CN" altLang="en-US" dirty="0">
+              <a:solidFill>
+                <a:srgbClr val="FF0000"/>
+              </a:solidFill>
+            </a:endParaRPr>
           </a:p>
         </p:txBody>
       </p:sp>
     </p:spTree>
-    <p:extLst>
-      <p:ext uri="{BB962C8B-B14F-4D97-AF65-F5344CB8AC3E}">
-        <p14:creationId xmlns:p14="http://schemas.microsoft.com/office/powerpoint/2010/main" val="1034775375"/>
-      </p:ext>
-    </p:extLst>
   </p:cSld>
   <p:clrMapOvr>
     <a:masterClrMapping/>
@@ -8805,21 +8891,108 @@
             <p:ph type="ctrTitle"/>
           </p:nvPr>
         </p:nvSpPr>
-        <p:spPr/>
+        <p:spPr>
+          <a:xfrm>
+            <a:off x="1336675" y="2471420"/>
+            <a:ext cx="8915400" cy="1181100"/>
+          </a:xfrm>
+        </p:spPr>
         <p:txBody>
           <a:bodyPr/>
           <a:lstStyle/>
           <a:p>
-            <a:endParaRPr lang="zh-CN" altLang="en-US" dirty="0"/>
+            <a:pPr algn="ctr"/>
+            <a:r>
+              <a:rPr lang="en-US" altLang="zh-CN" dirty="0">
+                <a:solidFill>
+                  <a:srgbClr val="FF0000"/>
+                </a:solidFill>
+              </a:rPr>
+              <a:t>Git </a:t>
+            </a:r>
+            <a:r>
+              <a:rPr lang="zh-CN" altLang="en-US" dirty="0">
+                <a:solidFill>
+                  <a:srgbClr val="FF0000"/>
+                </a:solidFill>
+              </a:rPr>
+              <a:t>之 </a:t>
+            </a:r>
+            <a:r>
+              <a:rPr lang="en-US" altLang="zh-CN" dirty="0">
+                <a:solidFill>
+                  <a:srgbClr val="FF0000"/>
+                </a:solidFill>
+              </a:rPr>
+              <a:t>eclipse </a:t>
+            </a:r>
+            <a:r>
+              <a:rPr lang="zh-CN" altLang="en-US" dirty="0">
+                <a:solidFill>
+                  <a:srgbClr val="FF0000"/>
+                </a:solidFill>
+              </a:rPr>
+              <a:t>相关操作</a:t>
+            </a:r>
+            <a:endParaRPr lang="zh-CN" altLang="en-US" dirty="0">
+              <a:solidFill>
+                <a:srgbClr val="FF0000"/>
+              </a:solidFill>
+            </a:endParaRPr>
+          </a:p>
+        </p:txBody>
+      </p:sp>
+      <p:sp>
+        <p:nvSpPr>
+          <p:cNvPr id="2" name="文本框 1"/>
+          <p:cNvSpPr txBox="1"/>
+          <p:nvPr/>
+        </p:nvSpPr>
+        <p:spPr>
+          <a:xfrm>
+            <a:off x="3185795" y="4429125"/>
+            <a:ext cx="7658735" cy="922020"/>
+          </a:xfrm>
+          <a:prstGeom prst="rect">
+            <a:avLst/>
+          </a:prstGeom>
+          <a:noFill/>
+        </p:spPr>
+        <p:txBody>
+          <a:bodyPr wrap="none" rtlCol="0">
+            <a:spAutoFit/>
+          </a:bodyPr>
+          <a:p>
+            <a:pPr algn="l"/>
+            <a:endParaRPr lang="zh-CN" altLang="en-US">
+              <a:hlinkClick r:id="rId1" tooltip=""/>
+            </a:endParaRPr>
+          </a:p>
+          <a:p>
+            <a:pPr algn="l"/>
+            <a:r>
+              <a:rPr lang="zh-CN" altLang="en-US">
+                <a:hlinkClick r:id="rId1" tooltip=""/>
+              </a:rPr>
+              <a:t>Eclipse中使用EGit遇到的问题汇总</a:t>
+            </a:r>
+            <a:endParaRPr lang="zh-CN" altLang="en-US">
+              <a:hlinkClick r:id="rId1" tooltip=""/>
+            </a:endParaRPr>
+          </a:p>
+          <a:p>
+            <a:pPr algn="l"/>
+            <a:r>
+              <a:rPr lang="zh-CN" altLang="en-US">
+                <a:hlinkClick r:id="rId1" tooltip=""/>
+              </a:rPr>
+              <a:t>http://wiki.oa.irissz.com/pages/viewpage.action?pageId=38896414</a:t>
+            </a:r>
+            <a:endParaRPr lang="zh-CN" altLang="en-US"/>
           </a:p>
         </p:txBody>
       </p:sp>
     </p:spTree>
-    <p:extLst>
-      <p:ext uri="{BB962C8B-B14F-4D97-AF65-F5344CB8AC3E}">
-        <p14:creationId xmlns:p14="http://schemas.microsoft.com/office/powerpoint/2010/main" val="1034775375"/>
-      </p:ext>
-    </p:extLst>
   </p:cSld>
   <p:clrMapOvr>
     <a:masterClrMapping/>
@@ -8854,21 +9027,42 @@
             <p:ph type="ctrTitle"/>
           </p:nvPr>
         </p:nvSpPr>
-        <p:spPr/>
+        <p:spPr>
+          <a:xfrm>
+            <a:off x="2589530" y="3621405"/>
+            <a:ext cx="8915400" cy="1155700"/>
+          </a:xfrm>
+        </p:spPr>
         <p:txBody>
           <a:bodyPr/>
           <a:lstStyle/>
           <a:p>
-            <a:endParaRPr lang="zh-CN" altLang="en-US" dirty="0"/>
+            <a:pPr algn="ctr"/>
+            <a:r>
+              <a:rPr lang="en-US" altLang="zh-CN" dirty="0">
+                <a:solidFill>
+                  <a:srgbClr val="FF0000"/>
+                </a:solidFill>
+              </a:rPr>
+              <a:t>Thank  you</a:t>
+            </a:r>
+            <a:r>
+              <a:rPr lang="zh-CN" altLang="en-US" dirty="0">
+                <a:solidFill>
+                  <a:srgbClr val="FF0000"/>
+                </a:solidFill>
+              </a:rPr>
+              <a:t>！</a:t>
+            </a:r>
+            <a:endParaRPr lang="zh-CN" altLang="en-US" dirty="0">
+              <a:solidFill>
+                <a:srgbClr val="FF0000"/>
+              </a:solidFill>
+            </a:endParaRPr>
           </a:p>
         </p:txBody>
       </p:sp>
     </p:spTree>
-    <p:extLst>
-      <p:ext uri="{BB962C8B-B14F-4D97-AF65-F5344CB8AC3E}">
-        <p14:creationId xmlns:p14="http://schemas.microsoft.com/office/powerpoint/2010/main" val="1034775375"/>
-      </p:ext>
-    </p:extLst>
   </p:cSld>
   <p:clrMapOvr>
     <a:masterClrMapping/>
@@ -8913,11 +9107,6 @@
         </p:txBody>
       </p:sp>
     </p:spTree>
-    <p:extLst>
-      <p:ext uri="{BB962C8B-B14F-4D97-AF65-F5344CB8AC3E}">
-        <p14:creationId xmlns:p14="http://schemas.microsoft.com/office/powerpoint/2010/main" val="1034775375"/>
-      </p:ext>
-    </p:extLst>
   </p:cSld>
   <p:clrMapOvr>
     <a:masterClrMapping/>
@@ -8962,11 +9151,6 @@
         </p:txBody>
       </p:sp>
     </p:spTree>
-    <p:extLst>
-      <p:ext uri="{BB962C8B-B14F-4D97-AF65-F5344CB8AC3E}">
-        <p14:creationId xmlns:p14="http://schemas.microsoft.com/office/powerpoint/2010/main" val="1034775375"/>
-      </p:ext>
-    </p:extLst>
   </p:cSld>
   <p:clrMapOvr>
     <a:masterClrMapping/>
@@ -9078,6 +9262,7 @@
               <a:rPr lang="zh-CN" altLang="en-US" sz="2400" dirty="0"/>
               <a:t>是目前世界上最先进的分布式版本控制系统（没有之一）</a:t>
             </a:r>
+            <a:endParaRPr lang="zh-CN" altLang="en-US" sz="2400" dirty="0"/>
           </a:p>
           <a:p>
             <a:endParaRPr lang="zh-CN" altLang="en-US" dirty="0"/>
@@ -9085,11 +9270,6 @@
         </p:txBody>
       </p:sp>
     </p:spTree>
-    <p:extLst>
-      <p:ext uri="{BB962C8B-B14F-4D97-AF65-F5344CB8AC3E}">
-        <p14:creationId xmlns:p14="http://schemas.microsoft.com/office/powerpoint/2010/main" val="1034775375"/>
-      </p:ext>
-    </p:extLst>
   </p:cSld>
   <p:clrMapOvr>
     <a:masterClrMapping/>
@@ -9141,11 +9321,6 @@
         </p:txBody>
       </p:sp>
     </p:spTree>
-    <p:extLst>
-      <p:ext uri="{BB962C8B-B14F-4D97-AF65-F5344CB8AC3E}">
-        <p14:creationId xmlns:p14="http://schemas.microsoft.com/office/powerpoint/2010/main" val="1034775375"/>
-      </p:ext>
-    </p:extLst>
   </p:cSld>
   <p:clrMapOvr>
     <a:masterClrMapping/>
@@ -9190,11 +9365,6 @@
         </p:txBody>
       </p:sp>
     </p:spTree>
-    <p:extLst>
-      <p:ext uri="{BB962C8B-B14F-4D97-AF65-F5344CB8AC3E}">
-        <p14:creationId xmlns:p14="http://schemas.microsoft.com/office/powerpoint/2010/main" val="1034775375"/>
-      </p:ext>
-    </p:extLst>
   </p:cSld>
   <p:clrMapOvr>
     <a:masterClrMapping/>
@@ -9239,11 +9409,6 @@
         </p:txBody>
       </p:sp>
     </p:spTree>
-    <p:extLst>
-      <p:ext uri="{BB962C8B-B14F-4D97-AF65-F5344CB8AC3E}">
-        <p14:creationId xmlns:p14="http://schemas.microsoft.com/office/powerpoint/2010/main" val="1034775375"/>
-      </p:ext>
-    </p:extLst>
   </p:cSld>
   <p:clrMapOvr>
     <a:masterClrMapping/>
@@ -9288,11 +9453,6 @@
         </p:txBody>
       </p:sp>
     </p:spTree>
-    <p:extLst>
-      <p:ext uri="{BB962C8B-B14F-4D97-AF65-F5344CB8AC3E}">
-        <p14:creationId xmlns:p14="http://schemas.microsoft.com/office/powerpoint/2010/main" val="1034775375"/>
-      </p:ext>
-    </p:extLst>
   </p:cSld>
   <p:clrMapOvr>
     <a:masterClrMapping/>
@@ -9337,11 +9497,6 @@
         </p:txBody>
       </p:sp>
     </p:spTree>
-    <p:extLst>
-      <p:ext uri="{BB962C8B-B14F-4D97-AF65-F5344CB8AC3E}">
-        <p14:creationId xmlns:p14="http://schemas.microsoft.com/office/powerpoint/2010/main" val="1034775375"/>
-      </p:ext>
-    </p:extLst>
   </p:cSld>
   <p:clrMapOvr>
     <a:masterClrMapping/>
@@ -9386,11 +9541,6 @@
         </p:txBody>
       </p:sp>
     </p:spTree>
-    <p:extLst>
-      <p:ext uri="{BB962C8B-B14F-4D97-AF65-F5344CB8AC3E}">
-        <p14:creationId xmlns:p14="http://schemas.microsoft.com/office/powerpoint/2010/main" val="1034775375"/>
-      </p:ext>
-    </p:extLst>
   </p:cSld>
   <p:clrMapOvr>
     <a:masterClrMapping/>
@@ -9435,11 +9585,6 @@
         </p:txBody>
       </p:sp>
     </p:spTree>
-    <p:extLst>
-      <p:ext uri="{BB962C8B-B14F-4D97-AF65-F5344CB8AC3E}">
-        <p14:creationId xmlns:p14="http://schemas.microsoft.com/office/powerpoint/2010/main" val="1034775375"/>
-      </p:ext>
-    </p:extLst>
   </p:cSld>
   <p:clrMapOvr>
     <a:masterClrMapping/>
@@ -9484,11 +9629,6 @@
         </p:txBody>
       </p:sp>
     </p:spTree>
-    <p:extLst>
-      <p:ext uri="{BB962C8B-B14F-4D97-AF65-F5344CB8AC3E}">
-        <p14:creationId xmlns:p14="http://schemas.microsoft.com/office/powerpoint/2010/main" val="1034775375"/>
-      </p:ext>
-    </p:extLst>
   </p:cSld>
   <p:clrMapOvr>
     <a:masterClrMapping/>
@@ -9533,11 +9673,6 @@
         </p:txBody>
       </p:sp>
     </p:spTree>
-    <p:extLst>
-      <p:ext uri="{BB962C8B-B14F-4D97-AF65-F5344CB8AC3E}">
-        <p14:creationId xmlns:p14="http://schemas.microsoft.com/office/powerpoint/2010/main" val="1034775375"/>
-      </p:ext>
-    </p:extLst>
   </p:cSld>
   <p:clrMapOvr>
     <a:masterClrMapping/>
@@ -9582,11 +9717,6 @@
         </p:txBody>
       </p:sp>
     </p:spTree>
-    <p:extLst>
-      <p:ext uri="{BB962C8B-B14F-4D97-AF65-F5344CB8AC3E}">
-        <p14:creationId xmlns:p14="http://schemas.microsoft.com/office/powerpoint/2010/main" val="1034775375"/>
-      </p:ext>
-    </p:extLst>
   </p:cSld>
   <p:clrMapOvr>
     <a:masterClrMapping/>
@@ -9647,10 +9777,6 @@
               <a:rPr lang="en-US" altLang="zh-CN" dirty="0" err="1"/>
               <a:t>Git</a:t>
             </a:r>
-            <a:r>
-              <a:rPr lang="en-US" altLang="zh-CN" dirty="0"/>
-              <a:t/>
-            </a:r>
             <a:br>
               <a:rPr lang="en-US" altLang="zh-CN" dirty="0"/>
             </a:br>
@@ -9710,23 +9836,23 @@
             </a:r>
             <a:r>
               <a:rPr lang="zh-CN" altLang="en-US" sz="2400" dirty="0">
+                <a:hlinkClick r:id="rId1"/>
+              </a:rPr>
+              <a:t>下载安装程序</a:t>
+            </a:r>
+            <a:r>
+              <a:rPr lang="zh-CN" altLang="en-US" sz="2400" dirty="0" smtClean="0"/>
+              <a:t>，（下载</a:t>
+            </a:r>
+            <a:r>
+              <a:rPr lang="zh-CN" altLang="en-US" sz="2400" dirty="0" smtClean="0">
                 <a:hlinkClick r:id="rId2"/>
               </a:rPr>
-              <a:t>下载安装程序</a:t>
-            </a:r>
-            <a:r>
-              <a:rPr lang="zh-CN" altLang="en-US" sz="2400" dirty="0" smtClean="0"/>
-              <a:t>，（下载</a:t>
-            </a:r>
-            <a:r>
-              <a:rPr lang="zh-CN" altLang="en-US" sz="2400" dirty="0" smtClean="0">
-                <a:hlinkClick r:id="rId3"/>
-              </a:rPr>
               <a:t>国内</a:t>
             </a:r>
             <a:r>
               <a:rPr lang="zh-CN" altLang="en-US" sz="2400" dirty="0">
-                <a:hlinkClick r:id="rId3"/>
+                <a:hlinkClick r:id="rId2"/>
               </a:rPr>
               <a:t>镜像</a:t>
             </a:r>
@@ -9836,22 +9962,48 @@
             </a:r>
             <a:r>
               <a:rPr lang="en-US" altLang="zh-CN" dirty="0"/>
-              <a:t> --global user.name </a:t>
-            </a:r>
-            <a:r>
-              <a:rPr lang="en-US" altLang="zh-CN" dirty="0"/>
-              <a:t>"Your Name"</a:t>
+              <a:t> --global user.name "Your Name" </a:t>
+            </a:r>
+            <a:endParaRPr lang="en-US" altLang="zh-CN" dirty="0" smtClean="0"/>
+          </a:p>
+          <a:p>
+            <a:r>
+              <a:rPr lang="en-US" altLang="zh-CN" dirty="0" smtClean="0"/>
+              <a:t>$ </a:t>
+            </a:r>
+            <a:r>
+              <a:rPr lang="en-US" altLang="zh-CN" dirty="0" err="1"/>
+              <a:t>git</a:t>
             </a:r>
             <a:r>
               <a:rPr lang="en-US" altLang="zh-CN" dirty="0"/>
               <a:t> </a:t>
             </a:r>
+            <a:r>
+              <a:rPr lang="en-US" altLang="zh-CN" dirty="0" err="1"/>
+              <a:t>config</a:t>
+            </a:r>
+            <a:r>
+              <a:rPr lang="en-US" altLang="zh-CN" dirty="0"/>
+              <a:t> --global </a:t>
+            </a:r>
+            <a:r>
+              <a:rPr lang="en-US" altLang="zh-CN" dirty="0" err="1"/>
+              <a:t>user.email</a:t>
+            </a:r>
+            <a:r>
+              <a:rPr lang="en-US" altLang="zh-CN" dirty="0"/>
+              <a:t> "email@example.com"</a:t>
+            </a:r>
+            <a:endParaRPr lang="en-US" altLang="zh-CN" dirty="0"/>
+          </a:p>
+          <a:p>
             <a:endParaRPr lang="en-US" altLang="zh-CN" dirty="0" smtClean="0"/>
           </a:p>
           <a:p>
             <a:r>
-              <a:rPr lang="en-US" altLang="zh-CN" dirty="0" smtClean="0"/>
-              <a:t>$ </a:t>
+              <a:rPr lang="zh-CN" altLang="en-US" dirty="0"/>
+              <a:t>注意</a:t>
             </a:r>
             <a:r>
               <a:rPr lang="en-US" altLang="zh-CN" dirty="0" err="1"/>
@@ -9866,44 +10018,6 @@
               <a:t>config</a:t>
             </a:r>
             <a:r>
-              <a:rPr lang="en-US" altLang="zh-CN" dirty="0"/>
-              <a:t> --global </a:t>
-            </a:r>
-            <a:r>
-              <a:rPr lang="en-US" altLang="zh-CN" dirty="0" err="1"/>
-              <a:t>user.email</a:t>
-            </a:r>
-            <a:r>
-              <a:rPr lang="en-US" altLang="zh-CN" dirty="0"/>
-              <a:t> </a:t>
-            </a:r>
-            <a:r>
-              <a:rPr lang="en-US" altLang="zh-CN" dirty="0"/>
-              <a:t>"email@example.com"</a:t>
-            </a:r>
-            <a:endParaRPr lang="en-US" altLang="zh-CN" dirty="0"/>
-          </a:p>
-          <a:p>
-            <a:endParaRPr lang="en-US" altLang="zh-CN" dirty="0" smtClean="0"/>
-          </a:p>
-          <a:p>
-            <a:r>
-              <a:rPr lang="zh-CN" altLang="en-US" dirty="0"/>
-              <a:t>注意</a:t>
-            </a:r>
-            <a:r>
-              <a:rPr lang="en-US" altLang="zh-CN" dirty="0" err="1"/>
-              <a:t>git</a:t>
-            </a:r>
-            <a:r>
-              <a:rPr lang="en-US" altLang="zh-CN" dirty="0"/>
-              <a:t> </a:t>
-            </a:r>
-            <a:r>
-              <a:rPr lang="en-US" altLang="zh-CN" dirty="0" err="1"/>
-              <a:t>config</a:t>
-            </a:r>
-            <a:r>
               <a:rPr lang="zh-CN" altLang="en-US" dirty="0"/>
               <a:t>命令的</a:t>
             </a:r>
@@ -9969,11 +10083,6 @@
         </p:txBody>
       </p:sp>
     </p:spTree>
-    <p:extLst>
-      <p:ext uri="{BB962C8B-B14F-4D97-AF65-F5344CB8AC3E}">
-        <p14:creationId xmlns:p14="http://schemas.microsoft.com/office/powerpoint/2010/main" val="1034775375"/>
-      </p:ext>
-    </p:extLst>
   </p:cSld>
   <p:clrMapOvr>
     <a:masterClrMapping/>
@@ -10025,11 +10134,50 @@
         </p:txBody>
       </p:sp>
     </p:spTree>
-    <p:extLst>
-      <p:ext uri="{BB962C8B-B14F-4D97-AF65-F5344CB8AC3E}">
-        <p14:creationId xmlns:p14="http://schemas.microsoft.com/office/powerpoint/2010/main" val="1034775375"/>
-      </p:ext>
-    </p:extLst>
+  </p:cSld>
+  <p:clrMapOvr>
+    <a:masterClrMapping/>
+  </p:clrMapOvr>
+</p:sld>
+</file>
+
+<file path=ppt/slides/slide31.xml><?xml version="1.0" encoding="utf-8"?>
+<p:sld xmlns:a="http://schemas.openxmlformats.org/drawingml/2006/main" xmlns:r="http://schemas.openxmlformats.org/officeDocument/2006/relationships" xmlns:p="http://schemas.openxmlformats.org/presentationml/2006/main">
+  <p:cSld>
+    <p:spTree>
+      <p:nvGrpSpPr>
+        <p:cNvPr id="1" name=""/>
+        <p:cNvGrpSpPr/>
+        <p:nvPr/>
+      </p:nvGrpSpPr>
+      <p:grpSpPr>
+        <a:xfrm>
+          <a:off x="0" y="0"/>
+          <a:ext cx="0" cy="0"/>
+          <a:chOff x="0" y="0"/>
+          <a:chExt cx="0" cy="0"/>
+        </a:xfrm>
+      </p:grpSpPr>
+      <p:sp>
+        <p:nvSpPr>
+          <p:cNvPr id="3" name="标题 2"/>
+          <p:cNvSpPr>
+            <a:spLocks noGrp="1"/>
+          </p:cNvSpPr>
+          <p:nvPr>
+            <p:ph type="ctrTitle"/>
+          </p:nvPr>
+        </p:nvSpPr>
+        <p:spPr/>
+        <p:txBody>
+          <a:bodyPr/>
+          <a:lstStyle/>
+          <a:p>
+            <a:endParaRPr lang="zh-CN" altLang="en-US" dirty="0"/>
+          </a:p>
+        </p:txBody>
+      </p:sp>
+    </p:spTree>
   </p:cSld>
   <p:clrMapOvr>
     <a:masterClrMapping/>
@@ -10202,11 +10350,6 @@
         </p:txBody>
       </p:sp>
     </p:spTree>
-    <p:extLst>
-      <p:ext uri="{BB962C8B-B14F-4D97-AF65-F5344CB8AC3E}">
-        <p14:creationId xmlns:p14="http://schemas.microsoft.com/office/powerpoint/2010/main" val="1034775375"/>
-      </p:ext>
-    </p:extLst>
   </p:cSld>
   <p:clrMapOvr>
     <a:masterClrMapping/>
@@ -10260,24 +10403,12 @@
           </a:bodyPr>
           <a:lstStyle/>
           <a:p>
-            <a:r>
-              <a:rPr lang="en-US" altLang="zh-CN" dirty="0" smtClean="0"/>
-              <a:t/>
-            </a:r>
             <a:br>
               <a:rPr lang="en-US" altLang="zh-CN" dirty="0" smtClean="0"/>
             </a:br>
-            <a:r>
-              <a:rPr lang="en-US" altLang="zh-CN" dirty="0"/>
-              <a:t/>
-            </a:r>
             <a:br>
               <a:rPr lang="en-US" altLang="zh-CN" dirty="0"/>
             </a:br>
-            <a:r>
-              <a:rPr lang="en-US" altLang="zh-CN" dirty="0" smtClean="0"/>
-              <a:t/>
-            </a:r>
             <a:br>
               <a:rPr lang="en-US" altLang="zh-CN" dirty="0" smtClean="0"/>
             </a:br>
@@ -10324,71 +10455,72 @@
             </a:r>
             <a:r>
               <a:rPr lang="en-US" altLang="zh-CN" sz="2400" dirty="0">
+                <a:hlinkClick r:id="rId1"/>
+              </a:rPr>
+              <a:t>https://</a:t>
+            </a:r>
+            <a:r>
+              <a:rPr lang="en-US" altLang="zh-CN" sz="2400" dirty="0" smtClean="0">
+                <a:hlinkClick r:id="rId1"/>
+              </a:rPr>
+              <a:t>git.smate.com</a:t>
+            </a:r>
+            <a:endParaRPr lang="en-US" altLang="zh-CN" sz="2400" dirty="0" smtClean="0"/>
+          </a:p>
+          <a:p>
+            <a:endParaRPr lang="en-US" altLang="zh-CN" sz="2400" dirty="0"/>
+          </a:p>
+          <a:p>
+            <a:r>
+              <a:rPr lang="en-US" altLang="zh-CN" sz="2800" dirty="0" smtClean="0"/>
+              <a:t>2</a:t>
+            </a:r>
+            <a:r>
+              <a:rPr lang="zh-CN" altLang="en-US" sz="2800" dirty="0" smtClean="0"/>
+              <a:t>，使用开源，免费的远程仓库</a:t>
+            </a:r>
+            <a:endParaRPr lang="en-US" altLang="zh-CN" sz="2800" dirty="0" smtClean="0"/>
+          </a:p>
+          <a:p>
+            <a:r>
+              <a:rPr lang="zh-CN" altLang="en-US" sz="2400" dirty="0" smtClean="0"/>
+              <a:t>优点：</a:t>
+            </a:r>
+            <a:r>
+              <a:rPr lang="zh-CN" altLang="en-US" sz="2400" dirty="0"/>
+              <a:t>既可以让别人参与你的开源项目，也可以参与别人的开源项目。</a:t>
+            </a:r>
+            <a:endParaRPr lang="en-US" altLang="zh-CN" sz="2400" dirty="0" smtClean="0"/>
+          </a:p>
+          <a:p>
+            <a:endParaRPr lang="en-US" altLang="zh-CN" sz="2400" dirty="0" smtClean="0">
+              <a:hlinkClick r:id="rId2"/>
+            </a:endParaRPr>
+          </a:p>
+          <a:p>
+            <a:r>
+              <a:rPr lang="en-US" altLang="zh-CN" sz="2400" dirty="0" smtClean="0"/>
+              <a:t>GitHub   		</a:t>
+            </a:r>
+            <a:r>
+              <a:rPr lang="en-US" altLang="zh-CN" sz="2400" dirty="0"/>
+              <a:t>https://github.com</a:t>
+            </a:r>
+            <a:endParaRPr lang="en-US" altLang="zh-CN" sz="2400" dirty="0"/>
+          </a:p>
+          <a:p>
+            <a:r>
+              <a:rPr lang="zh-CN" altLang="en-US" sz="2400" dirty="0" smtClean="0"/>
+              <a:t>码云</a:t>
+            </a:r>
+            <a:r>
+              <a:rPr lang="en-US" altLang="zh-CN" sz="2400" dirty="0" smtClean="0"/>
+              <a:t>			</a:t>
+            </a:r>
+            <a:r>
+              <a:rPr lang="en-US" altLang="zh-CN" sz="2400" dirty="0">
                 <a:hlinkClick r:id="rId2"/>
               </a:rPr>
-              <a:t>https://</a:t>
-            </a:r>
-            <a:r>
-              <a:rPr lang="en-US" altLang="zh-CN" sz="2400" dirty="0" smtClean="0">
-                <a:hlinkClick r:id="rId2"/>
-              </a:rPr>
-              <a:t>git.smate.com</a:t>
-            </a:r>
-            <a:endParaRPr lang="en-US" altLang="zh-CN" sz="2400" dirty="0" smtClean="0"/>
-          </a:p>
-          <a:p>
-            <a:endParaRPr lang="en-US" altLang="zh-CN" sz="2400" dirty="0"/>
-          </a:p>
-          <a:p>
-            <a:r>
-              <a:rPr lang="en-US" altLang="zh-CN" sz="2800" dirty="0" smtClean="0"/>
-              <a:t>2</a:t>
-            </a:r>
-            <a:r>
-              <a:rPr lang="zh-CN" altLang="en-US" sz="2800" dirty="0" smtClean="0"/>
-              <a:t>，使用开源，免费的远程仓库</a:t>
-            </a:r>
-            <a:endParaRPr lang="en-US" altLang="zh-CN" sz="2800" dirty="0" smtClean="0"/>
-          </a:p>
-          <a:p>
-            <a:r>
-              <a:rPr lang="zh-CN" altLang="en-US" sz="2400" dirty="0" smtClean="0"/>
-              <a:t>优点：</a:t>
-            </a:r>
-            <a:r>
-              <a:rPr lang="zh-CN" altLang="en-US" sz="2400" dirty="0"/>
-              <a:t>既可以让别人参与你的开源项目，也可以参与别人的开源项目。</a:t>
-            </a:r>
-            <a:endParaRPr lang="en-US" altLang="zh-CN" sz="2400" dirty="0" smtClean="0"/>
-          </a:p>
-          <a:p>
-            <a:endParaRPr lang="en-US" altLang="zh-CN" sz="2400" dirty="0" smtClean="0">
-              <a:hlinkClick r:id="rId3"/>
-            </a:endParaRPr>
-          </a:p>
-          <a:p>
-            <a:r>
-              <a:rPr lang="en-US" altLang="zh-CN" sz="2400" dirty="0" smtClean="0"/>
-              <a:t>GitHub   		</a:t>
-            </a:r>
-            <a:r>
-              <a:rPr lang="en-US" altLang="zh-CN" sz="2400" dirty="0"/>
-              <a:t>https://github.com</a:t>
-            </a:r>
-          </a:p>
-          <a:p>
-            <a:r>
-              <a:rPr lang="zh-CN" altLang="en-US" sz="2400" dirty="0" smtClean="0"/>
-              <a:t>码云</a:t>
-            </a:r>
-            <a:r>
-              <a:rPr lang="en-US" altLang="zh-CN" sz="2400" dirty="0" smtClean="0"/>
-              <a:t>			</a:t>
-            </a:r>
-            <a:r>
-              <a:rPr lang="en-US" altLang="zh-CN" sz="2400" dirty="0">
-                <a:hlinkClick r:id="rId3"/>
-              </a:rPr>
               <a:t>https://gitee.com/</a:t>
             </a:r>
             <a:endParaRPr lang="en-US" altLang="zh-CN" sz="2400" dirty="0"/>
@@ -10398,6 +10530,7 @@
               <a:rPr lang="en-US" altLang="zh-CN" sz="2400" dirty="0" smtClean="0"/>
               <a:t>	</a:t>
             </a:r>
+            <a:endParaRPr lang="en-US" altLang="zh-CN" sz="2400" dirty="0" smtClean="0"/>
           </a:p>
           <a:p>
             <a:endParaRPr lang="en-US" altLang="zh-CN" sz="2400" dirty="0"/>
@@ -10414,11 +10547,6 @@
         </p:txBody>
       </p:sp>
     </p:spTree>
-    <p:extLst>
-      <p:ext uri="{BB962C8B-B14F-4D97-AF65-F5344CB8AC3E}">
-        <p14:creationId xmlns:p14="http://schemas.microsoft.com/office/powerpoint/2010/main" val="1034775375"/>
-      </p:ext>
-    </p:extLst>
   </p:cSld>
   <p:clrMapOvr>
     <a:masterClrMapping/>
@@ -10478,7 +10606,7 @@
           <p:nvPr/>
         </p:nvPicPr>
         <p:blipFill>
-          <a:blip r:embed="rId2"/>
+          <a:blip r:embed="rId1"/>
           <a:stretch>
             <a:fillRect/>
           </a:stretch>
@@ -10494,11 +10622,6 @@
         </p:spPr>
       </p:pic>
     </p:spTree>
-    <p:extLst>
-      <p:ext uri="{BB962C8B-B14F-4D97-AF65-F5344CB8AC3E}">
-        <p14:creationId xmlns:p14="http://schemas.microsoft.com/office/powerpoint/2010/main" val="1034775375"/>
-      </p:ext>
-    </p:extLst>
   </p:cSld>
   <p:clrMapOvr>
     <a:masterClrMapping/>
@@ -10560,6 +10683,11 @@
               </a:rPr>
               <a:t>Create</a:t>
             </a:r>
+            <a:endParaRPr kumimoji="1" lang="en-US" altLang="zh-CN" sz="4400" b="1" dirty="0" smtClean="0">
+              <a:solidFill>
+                <a:srgbClr val="FF0000"/>
+              </a:solidFill>
+            </a:endParaRPr>
           </a:p>
           <a:p>
             <a:endParaRPr kumimoji="1" lang="en-US" altLang="zh-CN" sz="2400" b="1" dirty="0" smtClean="0">
@@ -10577,12 +10705,45 @@
           </a:p>
         </p:txBody>
       </p:sp>
+      <p:sp>
+        <p:nvSpPr>
+          <p:cNvPr id="2" name="文本框 1"/>
+          <p:cNvSpPr txBox="1"/>
+          <p:nvPr/>
+        </p:nvSpPr>
+        <p:spPr>
+          <a:xfrm>
+            <a:off x="2998470" y="2997835"/>
+            <a:ext cx="5343525" cy="645160"/>
+          </a:xfrm>
+          <a:prstGeom prst="rect">
+            <a:avLst/>
+          </a:prstGeom>
+          <a:noFill/>
+        </p:spPr>
+        <p:txBody>
+          <a:bodyPr wrap="none" rtlCol="0">
+            <a:spAutoFit/>
+          </a:bodyPr>
+          <a:p>
+            <a:pPr algn="l"/>
+            <a:r>
+              <a:rPr lang="en-US" altLang="zh-CN"/>
+              <a:t>git   clone   git@github.com:aijiangbin/test.git  </a:t>
+            </a:r>
+            <a:endParaRPr lang="en-US" altLang="zh-CN"/>
+          </a:p>
+          <a:p>
+            <a:pPr algn="l"/>
+            <a:r>
+              <a:rPr lang="en-US" altLang="zh-CN"/>
+              <a:t>git   init</a:t>
+            </a:r>
+            <a:endParaRPr lang="en-US" altLang="zh-CN"/>
+          </a:p>
+        </p:txBody>
+      </p:sp>
     </p:spTree>
-    <p:extLst>
-      <p:ext uri="{BB962C8B-B14F-4D97-AF65-F5344CB8AC3E}">
-        <p14:creationId xmlns:p14="http://schemas.microsoft.com/office/powerpoint/2010/main" val="1034775375"/>
-      </p:ext>
-    </p:extLst>
   </p:cSld>
   <p:clrMapOvr>
     <a:masterClrMapping/>
@@ -10644,6 +10805,11 @@
               </a:rPr>
               <a:t>Local changes</a:t>
             </a:r>
+            <a:endParaRPr lang="en-US" altLang="zh-CN" sz="4400" dirty="0" smtClean="0">
+              <a:solidFill>
+                <a:srgbClr val="FF0000"/>
+              </a:solidFill>
+            </a:endParaRPr>
           </a:p>
           <a:p>
             <a:endParaRPr lang="en-US" altLang="zh-CN" sz="4400" dirty="0" smtClean="0"/>
@@ -10657,12 +10823,9 @@
               <a:rPr lang="zh-CN" altLang="en-US" sz="2400" dirty="0"/>
               <a:t>变化</a:t>
             </a:r>
-          </a:p>
-          <a:p>
-            <a:r>
-              <a:rPr lang="zh-CN" altLang="en-US" sz="4400" dirty="0"/>
-              <a:t/>
-            </a:r>
+            <a:endParaRPr lang="zh-CN" altLang="en-US" sz="2400" dirty="0"/>
+          </a:p>
+          <a:p>
             <a:br>
               <a:rPr lang="zh-CN" altLang="en-US" sz="4400" dirty="0"/>
             </a:br>
@@ -10681,12 +10844,69 @@
           </a:p>
         </p:txBody>
       </p:sp>
+      <p:sp>
+        <p:nvSpPr>
+          <p:cNvPr id="3" name="文本框 2"/>
+          <p:cNvSpPr txBox="1"/>
+          <p:nvPr/>
+        </p:nvSpPr>
+        <p:spPr>
+          <a:xfrm>
+            <a:off x="2870835" y="3244850"/>
+            <a:ext cx="4574540" cy="1198880"/>
+          </a:xfrm>
+          <a:prstGeom prst="rect">
+            <a:avLst/>
+          </a:prstGeom>
+          <a:noFill/>
+        </p:spPr>
+        <p:txBody>
+          <a:bodyPr wrap="square" rtlCol="0">
+            <a:spAutoFit/>
+          </a:bodyPr>
+          <a:p>
+            <a:r>
+              <a:rPr lang="en-US" altLang="zh-CN"/>
+              <a:t>git add  file</a:t>
+            </a:r>
+            <a:endParaRPr lang="en-US" altLang="zh-CN"/>
+          </a:p>
+          <a:p>
+            <a:r>
+              <a:rPr lang="en-US" altLang="zh-CN"/>
+              <a:t>git add  *</a:t>
+            </a:r>
+            <a:endParaRPr lang="en-US" altLang="zh-CN"/>
+          </a:p>
+          <a:p>
+            <a:r>
+              <a:rPr lang="en-US" altLang="zh-CN"/>
+              <a:t>git  commit -m  “</a:t>
+            </a:r>
+            <a:r>
+              <a:rPr lang="zh-CN" altLang="en-US"/>
+              <a:t>备注</a:t>
+            </a:r>
+            <a:r>
+              <a:rPr lang="en-US" altLang="zh-CN"/>
+              <a:t>”</a:t>
+            </a:r>
+            <a:endParaRPr lang="en-US" altLang="zh-CN"/>
+          </a:p>
+          <a:p>
+            <a:r>
+              <a:rPr lang="en-US" altLang="zh-CN"/>
+              <a:t>git  commit --amend    </a:t>
+            </a:r>
+            <a:r>
+              <a:rPr lang="zh-CN" altLang="en-US"/>
+              <a:t>表示修改备注信息</a:t>
+            </a:r>
+            <a:endParaRPr lang="zh-CN" altLang="en-US"/>
+          </a:p>
+        </p:txBody>
+      </p:sp>
     </p:spTree>
-    <p:extLst>
-      <p:ext uri="{BB962C8B-B14F-4D97-AF65-F5344CB8AC3E}">
-        <p14:creationId xmlns:p14="http://schemas.microsoft.com/office/powerpoint/2010/main" val="1034775375"/>
-      </p:ext>
-    </p:extLst>
   </p:cSld>
   <p:clrMapOvr>
     <a:masterClrMapping/>
@@ -10710,24 +10930,17 @@
         <p:cNvGrpSpPr/>
         <p:nvPr/>
       </p:nvGrpSpPr>
-      <p:grpSpPr>
-        <a:xfrm>
-          <a:off x="0" y="0"/>
-          <a:ext cx="0" cy="0"/>
-          <a:chOff x="0" y="0"/>
-          <a:chExt cx="0" cy="0"/>
-        </a:xfrm>
-      </p:grpSpPr>
-      <p:sp>
-        <p:nvSpPr>
-          <p:cNvPr id="4" name="TextBox 3"/>
+      <p:grpSpPr/>
+      <p:sp>
+        <p:nvSpPr>
+          <p:cNvPr id="4" name="TextBox 1"/>
           <p:cNvSpPr txBox="1"/>
           <p:nvPr/>
         </p:nvSpPr>
         <p:spPr>
           <a:xfrm>
-            <a:off x="2621902" y="1073020"/>
-            <a:ext cx="3810659" cy="2554545"/>
+            <a:off x="2604757" y="450720"/>
+            <a:ext cx="4261485" cy="4584700"/>
           </a:xfrm>
           <a:prstGeom prst="rect">
             <a:avLst/>
@@ -10738,7 +10951,6 @@
           <a:bodyPr wrap="none" rtlCol="0">
             <a:spAutoFit/>
           </a:bodyPr>
-          <a:lstStyle/>
           <a:p>
             <a:r>
               <a:rPr lang="en-US" altLang="zh-CN" sz="4400" dirty="0" smtClean="0">
@@ -10746,33 +10958,47 @@
                   <a:srgbClr val="FF0000"/>
                 </a:solidFill>
               </a:rPr>
-              <a:t>Branch &amp; tag</a:t>
-            </a:r>
-          </a:p>
-          <a:p>
-            <a:endParaRPr lang="en-US" altLang="zh-CN" sz="2400" dirty="0" smtClean="0"/>
-          </a:p>
-          <a:p>
-            <a:r>
-              <a:rPr lang="zh-CN" altLang="en-US" sz="2400" dirty="0" smtClean="0"/>
-              <a:t>分支</a:t>
-            </a:r>
-            <a:r>
-              <a:rPr lang="en-US" altLang="zh-CN" sz="2400" dirty="0" smtClean="0"/>
-              <a:t>&amp;</a:t>
-            </a:r>
-            <a:r>
-              <a:rPr lang="zh-CN" altLang="en-US" sz="2400" dirty="0" smtClean="0"/>
-              <a:t>标签</a:t>
+              <a:t>commit  history</a:t>
+            </a:r>
+            <a:endParaRPr lang="en-US" altLang="zh-CN" sz="4400" dirty="0" smtClean="0">
+              <a:solidFill>
+                <a:srgbClr val="FF0000"/>
+              </a:solidFill>
+            </a:endParaRPr>
+          </a:p>
+          <a:p>
+            <a:endParaRPr lang="en-US" altLang="zh-CN" sz="4400" dirty="0" smtClean="0"/>
+          </a:p>
+          <a:p>
+            <a:r>
+              <a:rPr lang="en-US" altLang="zh-CN" sz="2400" dirty="0"/>
+              <a:t>git  log  </a:t>
             </a:r>
             <a:r>
               <a:rPr lang="zh-CN" altLang="en-US" sz="2400" dirty="0"/>
-              <a:t/>
-            </a:r>
+              <a:t>查看历史记录</a:t>
+            </a:r>
+            <a:endParaRPr lang="zh-CN" altLang="en-US" sz="2400" dirty="0"/>
+          </a:p>
+          <a:p>
+            <a:endParaRPr lang="en-US" altLang="zh-CN" sz="2400" dirty="0"/>
+          </a:p>
+          <a:p>
+            <a:r>
+              <a:rPr lang="en-US" altLang="zh-CN" sz="2400" dirty="0"/>
+              <a:t>git  reflog  </a:t>
+            </a:r>
+            <a:r>
+              <a:rPr lang="zh-CN" altLang="en-US" sz="2400" dirty="0"/>
+              <a:t>查看未来历史记录</a:t>
+            </a:r>
+            <a:endParaRPr lang="zh-CN" altLang="en-US" sz="2400" dirty="0"/>
+          </a:p>
+          <a:p>
             <a:br>
-              <a:rPr lang="zh-CN" altLang="en-US" sz="2400" dirty="0"/>
+              <a:rPr lang="zh-CN" altLang="en-US" sz="4400" dirty="0"/>
             </a:br>
-            <a:endParaRPr lang="en-US" altLang="zh-CN" sz="2400" dirty="0" smtClean="0">
+            <a:endParaRPr lang="en-US" altLang="zh-CN" sz="4400" dirty="0" smtClean="0">
               <a:solidFill>
                 <a:srgbClr val="FF0000"/>
               </a:solidFill>
@@ -10788,22 +11014,10 @@
         </p:txBody>
       </p:sp>
     </p:spTree>
-    <p:extLst>
-      <p:ext uri="{BB962C8B-B14F-4D97-AF65-F5344CB8AC3E}">
-        <p14:creationId xmlns:p14="http://schemas.microsoft.com/office/powerpoint/2010/main" val="1034775375"/>
-      </p:ext>
-    </p:extLst>
   </p:cSld>
   <p:clrMapOvr>
     <a:masterClrMapping/>
   </p:clrMapOvr>
-  <p:timing>
-    <p:tnLst>
-      <p:par>
-        <p:cTn id="1" dur="indefinite" restart="never" nodeType="tmRoot"/>
-      </p:par>
-    </p:tnLst>
-  </p:timing>
 </p:sld>
 </file>
 
@@ -11040,11 +11254,9 @@
       </a:bgFillStyleLst>
     </a:fmtScheme>
   </a:themeElements>
-  <a:objectDefaults/>
-  <a:extraClrSchemeLst/>
   <a:extLst>
     <a:ext uri="{05A4C25C-085E-4340-85A3-A5531E510DB2}">
-      <thm15:themeFamily xmlns:thm15="http://schemas.microsoft.com/office/thememl/2012/main" xmlns="" name="Wisp" id="{7CB32D59-10C0-40DD-B7BD-2E94284A981C}" vid="{24B1A44C-C006-48B2-A4D7-E5549B3D8CD4}"/>
+      <thm15:themeFamily xmlns:thm15="http://schemas.microsoft.com/office/thememl/2012/main" name="Office Theme" id="{62F939B6-93AF-4DB8-9C6B-D6C7DFDC589F}" vid="{4A3C46E8-61CC-4603-A589-7422A47A8E4A}"/>
     </a:ext>
   </a:extLst>
 </a:theme>
